--- a/Présentation_Lending_Club_Scoring.pptx
+++ b/Présentation_Lending_Club_Scoring.pptx
@@ -31,16 +31,16 @@
       <p:regular r:id="rId17"/>
     </p:embeddedFont>
     <p:embeddedFont>
-      <p:font typeface="Mukta" panose="020B0604020202020204" charset="0"/>
+      <p:font typeface="Mukta" panose="020B0000000000000000" pitchFamily="34" charset="77"/>
       <p:regular r:id="rId18"/>
       <p:bold r:id="rId19"/>
     </p:embeddedFont>
     <p:embeddedFont>
-      <p:font typeface="Mukta ExtraBold" panose="020B0604020202020204" charset="0"/>
+      <p:font typeface="Mukta ExtraBold" panose="020B0000000000000000" pitchFamily="34" charset="77"/>
       <p:bold r:id="rId20"/>
     </p:embeddedFont>
     <p:embeddedFont>
-      <p:font typeface="Mukta SemiBold" panose="020B0604020202020204" charset="0"/>
+      <p:font typeface="Mukta SemiBold" panose="020B0000000000000000" pitchFamily="34" charset="77"/>
       <p:regular r:id="rId21"/>
       <p:bold r:id="rId22"/>
     </p:embeddedFont>
@@ -305,7 +305,7 @@
       <p15:sldGuideLst xmlns:p15="http://schemas.microsoft.com/office/powerpoint/2012/main"/>
     </p:ext>
     <p:ext uri="http://customooxmlschemas.google.com/">
-      <go:slidesCustomData xmlns="" xmlns:mc="http://schemas.openxmlformats.org/markup-compatibility/2006" xmlns:mv="urn:schemas-microsoft-com:mac:vml" xmlns:c="http://schemas.openxmlformats.org/drawingml/2006/chart" xmlns:dgm="http://schemas.openxmlformats.org/drawingml/2006/diagram" xmlns:o="urn:schemas-microsoft-com:office:office" xmlns:v="urn:schemas-microsoft-com:vml" xmlns:pvml="urn:schemas-microsoft-com:office:powerpoint" xmlns:com="http://schemas.openxmlformats.org/drawingml/2006/compatibility" xmlns:p14="http://schemas.microsoft.com/office/powerpoint/2010/main" xmlns:p15="http://schemas.microsoft.com/office/powerpoint/2012/main" xmlns:ahyp="http://schemas.microsoft.com/office/drawing/2018/hyperlinkcolor" xmlns:go="http://customooxmlschemas.google.com/" r:id="rId51" roundtripDataSignature="AMtx7mjPoJhqypSYi58r4er66db2CG1QoA=="/>
+      <go:slidesCustomData xmlns:go="http://customooxmlschemas.google.com/" xmlns:ahyp="http://schemas.microsoft.com/office/drawing/2018/hyperlinkcolor" xmlns:p15="http://schemas.microsoft.com/office/powerpoint/2012/main" xmlns:p14="http://schemas.microsoft.com/office/powerpoint/2010/main" xmlns:com="http://schemas.openxmlformats.org/drawingml/2006/compatibility" xmlns:pvml="urn:schemas-microsoft-com:office:powerpoint" xmlns:v="urn:schemas-microsoft-com:vml" xmlns:o="urn:schemas-microsoft-com:office:office" xmlns:dgm="http://schemas.openxmlformats.org/drawingml/2006/diagram" xmlns:c="http://schemas.openxmlformats.org/drawingml/2006/chart" xmlns:mv="urn:schemas-microsoft-com:mac:vml" xmlns:mc="http://schemas.openxmlformats.org/markup-compatibility/2006" xmlns="" r:id="rId51" roundtripDataSignature="AMtx7mjPoJhqypSYi58r4er66db2CG1QoA=="/>
     </p:ext>
   </p:extLst>
 </p:presentation>
@@ -321,6 +321,194 @@
 
 <file path=ppt/changesInfos/changesInfo1.xml><?xml version="1.0" encoding="utf-8"?>
 <pc:chgInfo xmlns:a="http://schemas.openxmlformats.org/drawingml/2006/main" xmlns:r="http://schemas.openxmlformats.org/officeDocument/2006/relationships" xmlns:ac="http://schemas.microsoft.com/office/drawing/2013/main/command" xmlns:pc="http://schemas.microsoft.com/office/powerpoint/2013/main/command">
+  <pc:docChgLst>
+    <pc:chgData name="Morgane Caillosse" userId="8333b86f315e616d" providerId="LiveId" clId="{50B67AB2-FF4B-448F-AD36-432A9211974C}"/>
+    <pc:docChg chg="custSel addSld modSld modSection">
+      <pc:chgData name="Morgane Caillosse" userId="8333b86f315e616d" providerId="LiveId" clId="{50B67AB2-FF4B-448F-AD36-432A9211974C}" dt="2021-05-20T19:35:14.410" v="701" actId="20577"/>
+      <pc:docMkLst>
+        <pc:docMk/>
+      </pc:docMkLst>
+      <pc:sldChg chg="modSp mod">
+        <pc:chgData name="Morgane Caillosse" userId="8333b86f315e616d" providerId="LiveId" clId="{50B67AB2-FF4B-448F-AD36-432A9211974C}" dt="2021-05-20T19:35:14.410" v="701" actId="20577"/>
+        <pc:sldMkLst>
+          <pc:docMk/>
+          <pc:sldMk cId="0" sldId="256"/>
+        </pc:sldMkLst>
+        <pc:spChg chg="mod">
+          <ac:chgData name="Morgane Caillosse" userId="8333b86f315e616d" providerId="LiveId" clId="{50B67AB2-FF4B-448F-AD36-432A9211974C}" dt="2021-05-20T19:35:14.410" v="701" actId="20577"/>
+          <ac:spMkLst>
+            <pc:docMk/>
+            <pc:sldMk cId="0" sldId="256"/>
+            <ac:spMk id="8" creationId="{86F7AD2C-4019-4EAB-BDA3-D3BE0A3CB386}"/>
+          </ac:spMkLst>
+        </pc:spChg>
+      </pc:sldChg>
+      <pc:sldChg chg="modSp mod">
+        <pc:chgData name="Morgane Caillosse" userId="8333b86f315e616d" providerId="LiveId" clId="{50B67AB2-FF4B-448F-AD36-432A9211974C}" dt="2021-05-20T18:59:44.015" v="687" actId="20577"/>
+        <pc:sldMkLst>
+          <pc:docMk/>
+          <pc:sldMk cId="1059133622" sldId="259"/>
+        </pc:sldMkLst>
+        <pc:spChg chg="mod">
+          <ac:chgData name="Morgane Caillosse" userId="8333b86f315e616d" providerId="LiveId" clId="{50B67AB2-FF4B-448F-AD36-432A9211974C}" dt="2021-05-20T18:59:44.015" v="687" actId="20577"/>
+          <ac:spMkLst>
+            <pc:docMk/>
+            <pc:sldMk cId="1059133622" sldId="259"/>
+            <ac:spMk id="5" creationId="{617545A7-73C6-4C5A-887A-5A3293B7B0AA}"/>
+          </ac:spMkLst>
+        </pc:spChg>
+      </pc:sldChg>
+      <pc:sldChg chg="addSp modSp mod">
+        <pc:chgData name="Morgane Caillosse" userId="8333b86f315e616d" providerId="LiveId" clId="{50B67AB2-FF4B-448F-AD36-432A9211974C}" dt="2021-05-20T18:28:45.159" v="162" actId="313"/>
+        <pc:sldMkLst>
+          <pc:docMk/>
+          <pc:sldMk cId="3048934382" sldId="260"/>
+        </pc:sldMkLst>
+        <pc:spChg chg="add mod">
+          <ac:chgData name="Morgane Caillosse" userId="8333b86f315e616d" providerId="LiveId" clId="{50B67AB2-FF4B-448F-AD36-432A9211974C}" dt="2021-05-20T18:27:34.397" v="79" actId="1582"/>
+          <ac:spMkLst>
+            <pc:docMk/>
+            <pc:sldMk cId="3048934382" sldId="260"/>
+            <ac:spMk id="2" creationId="{EDFF71EE-27A5-41EC-BE5A-C9FCCF448378}"/>
+          </ac:spMkLst>
+        </pc:spChg>
+        <pc:spChg chg="mod">
+          <ac:chgData name="Morgane Caillosse" userId="8333b86f315e616d" providerId="LiveId" clId="{50B67AB2-FF4B-448F-AD36-432A9211974C}" dt="2021-05-20T18:26:42.308" v="69" actId="1076"/>
+          <ac:spMkLst>
+            <pc:docMk/>
+            <pc:sldMk cId="3048934382" sldId="260"/>
+            <ac:spMk id="5" creationId="{A103D155-9E35-44E0-9462-844ABF3CE536}"/>
+          </ac:spMkLst>
+        </pc:spChg>
+        <pc:spChg chg="mod">
+          <ac:chgData name="Morgane Caillosse" userId="8333b86f315e616d" providerId="LiveId" clId="{50B67AB2-FF4B-448F-AD36-432A9211974C}" dt="2021-05-20T18:26:47.972" v="71" actId="1076"/>
+          <ac:spMkLst>
+            <pc:docMk/>
+            <pc:sldMk cId="3048934382" sldId="260"/>
+            <ac:spMk id="6" creationId="{5E00C3D4-E37E-496D-AF5D-C12B2E96731C}"/>
+          </ac:spMkLst>
+        </pc:spChg>
+        <pc:spChg chg="add mod">
+          <ac:chgData name="Morgane Caillosse" userId="8333b86f315e616d" providerId="LiveId" clId="{50B67AB2-FF4B-448F-AD36-432A9211974C}" dt="2021-05-20T18:26:54.329" v="73" actId="1076"/>
+          <ac:spMkLst>
+            <pc:docMk/>
+            <pc:sldMk cId="3048934382" sldId="260"/>
+            <ac:spMk id="7" creationId="{6C30B48E-54E9-4CE3-B248-1A329C7FBB79}"/>
+          </ac:spMkLst>
+        </pc:spChg>
+        <pc:spChg chg="add mod">
+          <ac:chgData name="Morgane Caillosse" userId="8333b86f315e616d" providerId="LiveId" clId="{50B67AB2-FF4B-448F-AD36-432A9211974C}" dt="2021-05-20T18:28:45.159" v="162" actId="313"/>
+          <ac:spMkLst>
+            <pc:docMk/>
+            <pc:sldMk cId="3048934382" sldId="260"/>
+            <ac:spMk id="12" creationId="{071F4D30-F45B-4CB8-A8CD-15EA5F112414}"/>
+          </ac:spMkLst>
+        </pc:spChg>
+        <pc:graphicFrameChg chg="mod">
+          <ac:chgData name="Morgane Caillosse" userId="8333b86f315e616d" providerId="LiveId" clId="{50B67AB2-FF4B-448F-AD36-432A9211974C}" dt="2021-05-20T18:26:57.149" v="74" actId="1076"/>
+          <ac:graphicFrameMkLst>
+            <pc:docMk/>
+            <pc:sldMk cId="3048934382" sldId="260"/>
+            <ac:graphicFrameMk id="3" creationId="{17E4DC63-CBF2-4C0D-BADA-232784AD5104}"/>
+          </ac:graphicFrameMkLst>
+        </pc:graphicFrameChg>
+        <pc:cxnChg chg="add mod">
+          <ac:chgData name="Morgane Caillosse" userId="8333b86f315e616d" providerId="LiveId" clId="{50B67AB2-FF4B-448F-AD36-432A9211974C}" dt="2021-05-20T18:27:59.577" v="84" actId="208"/>
+          <ac:cxnSpMkLst>
+            <pc:docMk/>
+            <pc:sldMk cId="3048934382" sldId="260"/>
+            <ac:cxnSpMk id="9" creationId="{B1A948A8-9D0F-4FEE-AD5B-53125AC9561C}"/>
+          </ac:cxnSpMkLst>
+        </pc:cxnChg>
+      </pc:sldChg>
+      <pc:sldChg chg="modSp mod">
+        <pc:chgData name="Morgane Caillosse" userId="8333b86f315e616d" providerId="LiveId" clId="{50B67AB2-FF4B-448F-AD36-432A9211974C}" dt="2021-05-20T18:10:33.746" v="4" actId="20577"/>
+        <pc:sldMkLst>
+          <pc:docMk/>
+          <pc:sldMk cId="396336157" sldId="267"/>
+        </pc:sldMkLst>
+        <pc:spChg chg="mod">
+          <ac:chgData name="Morgane Caillosse" userId="8333b86f315e616d" providerId="LiveId" clId="{50B67AB2-FF4B-448F-AD36-432A9211974C}" dt="2021-05-20T18:10:33.746" v="4" actId="20577"/>
+          <ac:spMkLst>
+            <pc:docMk/>
+            <pc:sldMk cId="396336157" sldId="267"/>
+            <ac:spMk id="4" creationId="{37C313B5-FF6B-4847-95E1-1AA177F13FB4}"/>
+          </ac:spMkLst>
+        </pc:spChg>
+      </pc:sldChg>
+      <pc:sldChg chg="addSp delSp modSp new mod">
+        <pc:chgData name="Morgane Caillosse" userId="8333b86f315e616d" providerId="LiveId" clId="{50B67AB2-FF4B-448F-AD36-432A9211974C}" dt="2021-05-20T18:52:06.429" v="685" actId="931"/>
+        <pc:sldMkLst>
+          <pc:docMk/>
+          <pc:sldMk cId="1514309505" sldId="270"/>
+        </pc:sldMkLst>
+        <pc:spChg chg="del">
+          <ac:chgData name="Morgane Caillosse" userId="8333b86f315e616d" providerId="LiveId" clId="{50B67AB2-FF4B-448F-AD36-432A9211974C}" dt="2021-05-20T18:40:17.827" v="164" actId="478"/>
+          <ac:spMkLst>
+            <pc:docMk/>
+            <pc:sldMk cId="1514309505" sldId="270"/>
+            <ac:spMk id="2" creationId="{D3684267-7057-478D-89EC-4CB74108A87B}"/>
+          </ac:spMkLst>
+        </pc:spChg>
+        <pc:spChg chg="add mod">
+          <ac:chgData name="Morgane Caillosse" userId="8333b86f315e616d" providerId="LiveId" clId="{50B67AB2-FF4B-448F-AD36-432A9211974C}" dt="2021-05-20T18:40:58.375" v="219" actId="20577"/>
+          <ac:spMkLst>
+            <pc:docMk/>
+            <pc:sldMk cId="1514309505" sldId="270"/>
+            <ac:spMk id="3" creationId="{BB0F9596-1E82-4828-917D-FDA9913B5632}"/>
+          </ac:spMkLst>
+        </pc:spChg>
+        <pc:spChg chg="add del mod">
+          <ac:chgData name="Morgane Caillosse" userId="8333b86f315e616d" providerId="LiveId" clId="{50B67AB2-FF4B-448F-AD36-432A9211974C}" dt="2021-05-20T18:48:44.451" v="606"/>
+          <ac:spMkLst>
+            <pc:docMk/>
+            <pc:sldMk cId="1514309505" sldId="270"/>
+            <ac:spMk id="4" creationId="{5AC41866-F368-4329-A0A8-58513658BBB2}"/>
+          </ac:spMkLst>
+        </pc:spChg>
+        <pc:spChg chg="add del mod">
+          <ac:chgData name="Morgane Caillosse" userId="8333b86f315e616d" providerId="LiveId" clId="{50B67AB2-FF4B-448F-AD36-432A9211974C}" dt="2021-05-20T18:48:44.447" v="604" actId="478"/>
+          <ac:spMkLst>
+            <pc:docMk/>
+            <pc:sldMk cId="1514309505" sldId="270"/>
+            <ac:spMk id="6" creationId="{A9807443-A3F1-4021-9057-D2ED1076C1FA}"/>
+          </ac:spMkLst>
+        </pc:spChg>
+        <pc:spChg chg="add mod">
+          <ac:chgData name="Morgane Caillosse" userId="8333b86f315e616d" providerId="LiveId" clId="{50B67AB2-FF4B-448F-AD36-432A9211974C}" dt="2021-05-20T18:50:06.301" v="676" actId="1076"/>
+          <ac:spMkLst>
+            <pc:docMk/>
+            <pc:sldMk cId="1514309505" sldId="270"/>
+            <ac:spMk id="8" creationId="{734EFF86-FA41-4C27-89F1-8334FCADFCD6}"/>
+          </ac:spMkLst>
+        </pc:spChg>
+        <pc:spChg chg="add mod">
+          <ac:chgData name="Morgane Caillosse" userId="8333b86f315e616d" providerId="LiveId" clId="{50B67AB2-FF4B-448F-AD36-432A9211974C}" dt="2021-05-20T18:49:59.533" v="673" actId="1076"/>
+          <ac:spMkLst>
+            <pc:docMk/>
+            <pc:sldMk cId="1514309505" sldId="270"/>
+            <ac:spMk id="9" creationId="{58EC2982-9E1F-4FD7-89C8-1F856109C16C}"/>
+          </ac:spMkLst>
+        </pc:spChg>
+        <pc:spChg chg="add mod">
+          <ac:chgData name="Morgane Caillosse" userId="8333b86f315e616d" providerId="LiveId" clId="{50B67AB2-FF4B-448F-AD36-432A9211974C}" dt="2021-05-20T18:50:16.052" v="680" actId="1076"/>
+          <ac:spMkLst>
+            <pc:docMk/>
+            <pc:sldMk cId="1514309505" sldId="270"/>
+            <ac:spMk id="10" creationId="{5CCB8F08-5258-4411-A87D-23C2D03D5A24}"/>
+          </ac:spMkLst>
+        </pc:spChg>
+        <pc:graphicFrameChg chg="add mod modGraphic">
+          <ac:chgData name="Morgane Caillosse" userId="8333b86f315e616d" providerId="LiveId" clId="{50B67AB2-FF4B-448F-AD36-432A9211974C}" dt="2021-05-20T18:52:06.429" v="685" actId="931"/>
+          <ac:graphicFrameMkLst>
+            <pc:docMk/>
+            <pc:sldMk cId="1514309505" sldId="270"/>
+            <ac:graphicFrameMk id="5" creationId="{99E3AA2A-32D0-4746-B448-A6056ABDFAC1}"/>
+          </ac:graphicFrameMkLst>
+        </pc:graphicFrameChg>
+      </pc:sldChg>
+    </pc:docChg>
+  </pc:docChgLst>
   <pc:docChgLst>
     <pc:chgData name="Morgane Caillosse" userId="8333b86f315e616d" providerId="LiveId" clId="{81E41440-EC0F-4169-8B1C-5C4D94CA1FE7}"/>
     <pc:docChg chg="undo custSel addSld delSld modSld addSection modSection">
@@ -1631,194 +1819,6 @@
           </pc:sldLayoutMkLst>
         </pc:sldLayoutChg>
       </pc:sldMasterChg>
-    </pc:docChg>
-  </pc:docChgLst>
-  <pc:docChgLst>
-    <pc:chgData name="Morgane Caillosse" userId="8333b86f315e616d" providerId="LiveId" clId="{50B67AB2-FF4B-448F-AD36-432A9211974C}"/>
-    <pc:docChg chg="custSel addSld modSld modSection">
-      <pc:chgData name="Morgane Caillosse" userId="8333b86f315e616d" providerId="LiveId" clId="{50B67AB2-FF4B-448F-AD36-432A9211974C}" dt="2021-05-20T19:35:14.410" v="701" actId="20577"/>
-      <pc:docMkLst>
-        <pc:docMk/>
-      </pc:docMkLst>
-      <pc:sldChg chg="modSp mod">
-        <pc:chgData name="Morgane Caillosse" userId="8333b86f315e616d" providerId="LiveId" clId="{50B67AB2-FF4B-448F-AD36-432A9211974C}" dt="2021-05-20T19:35:14.410" v="701" actId="20577"/>
-        <pc:sldMkLst>
-          <pc:docMk/>
-          <pc:sldMk cId="0" sldId="256"/>
-        </pc:sldMkLst>
-        <pc:spChg chg="mod">
-          <ac:chgData name="Morgane Caillosse" userId="8333b86f315e616d" providerId="LiveId" clId="{50B67AB2-FF4B-448F-AD36-432A9211974C}" dt="2021-05-20T19:35:14.410" v="701" actId="20577"/>
-          <ac:spMkLst>
-            <pc:docMk/>
-            <pc:sldMk cId="0" sldId="256"/>
-            <ac:spMk id="8" creationId="{86F7AD2C-4019-4EAB-BDA3-D3BE0A3CB386}"/>
-          </ac:spMkLst>
-        </pc:spChg>
-      </pc:sldChg>
-      <pc:sldChg chg="modSp mod">
-        <pc:chgData name="Morgane Caillosse" userId="8333b86f315e616d" providerId="LiveId" clId="{50B67AB2-FF4B-448F-AD36-432A9211974C}" dt="2021-05-20T18:59:44.015" v="687" actId="20577"/>
-        <pc:sldMkLst>
-          <pc:docMk/>
-          <pc:sldMk cId="1059133622" sldId="259"/>
-        </pc:sldMkLst>
-        <pc:spChg chg="mod">
-          <ac:chgData name="Morgane Caillosse" userId="8333b86f315e616d" providerId="LiveId" clId="{50B67AB2-FF4B-448F-AD36-432A9211974C}" dt="2021-05-20T18:59:44.015" v="687" actId="20577"/>
-          <ac:spMkLst>
-            <pc:docMk/>
-            <pc:sldMk cId="1059133622" sldId="259"/>
-            <ac:spMk id="5" creationId="{617545A7-73C6-4C5A-887A-5A3293B7B0AA}"/>
-          </ac:spMkLst>
-        </pc:spChg>
-      </pc:sldChg>
-      <pc:sldChg chg="addSp modSp mod">
-        <pc:chgData name="Morgane Caillosse" userId="8333b86f315e616d" providerId="LiveId" clId="{50B67AB2-FF4B-448F-AD36-432A9211974C}" dt="2021-05-20T18:28:45.159" v="162" actId="313"/>
-        <pc:sldMkLst>
-          <pc:docMk/>
-          <pc:sldMk cId="3048934382" sldId="260"/>
-        </pc:sldMkLst>
-        <pc:spChg chg="add mod">
-          <ac:chgData name="Morgane Caillosse" userId="8333b86f315e616d" providerId="LiveId" clId="{50B67AB2-FF4B-448F-AD36-432A9211974C}" dt="2021-05-20T18:27:34.397" v="79" actId="1582"/>
-          <ac:spMkLst>
-            <pc:docMk/>
-            <pc:sldMk cId="3048934382" sldId="260"/>
-            <ac:spMk id="2" creationId="{EDFF71EE-27A5-41EC-BE5A-C9FCCF448378}"/>
-          </ac:spMkLst>
-        </pc:spChg>
-        <pc:spChg chg="mod">
-          <ac:chgData name="Morgane Caillosse" userId="8333b86f315e616d" providerId="LiveId" clId="{50B67AB2-FF4B-448F-AD36-432A9211974C}" dt="2021-05-20T18:26:42.308" v="69" actId="1076"/>
-          <ac:spMkLst>
-            <pc:docMk/>
-            <pc:sldMk cId="3048934382" sldId="260"/>
-            <ac:spMk id="5" creationId="{A103D155-9E35-44E0-9462-844ABF3CE536}"/>
-          </ac:spMkLst>
-        </pc:spChg>
-        <pc:spChg chg="mod">
-          <ac:chgData name="Morgane Caillosse" userId="8333b86f315e616d" providerId="LiveId" clId="{50B67AB2-FF4B-448F-AD36-432A9211974C}" dt="2021-05-20T18:26:47.972" v="71" actId="1076"/>
-          <ac:spMkLst>
-            <pc:docMk/>
-            <pc:sldMk cId="3048934382" sldId="260"/>
-            <ac:spMk id="6" creationId="{5E00C3D4-E37E-496D-AF5D-C12B2E96731C}"/>
-          </ac:spMkLst>
-        </pc:spChg>
-        <pc:spChg chg="add mod">
-          <ac:chgData name="Morgane Caillosse" userId="8333b86f315e616d" providerId="LiveId" clId="{50B67AB2-FF4B-448F-AD36-432A9211974C}" dt="2021-05-20T18:26:54.329" v="73" actId="1076"/>
-          <ac:spMkLst>
-            <pc:docMk/>
-            <pc:sldMk cId="3048934382" sldId="260"/>
-            <ac:spMk id="7" creationId="{6C30B48E-54E9-4CE3-B248-1A329C7FBB79}"/>
-          </ac:spMkLst>
-        </pc:spChg>
-        <pc:spChg chg="add mod">
-          <ac:chgData name="Morgane Caillosse" userId="8333b86f315e616d" providerId="LiveId" clId="{50B67AB2-FF4B-448F-AD36-432A9211974C}" dt="2021-05-20T18:28:45.159" v="162" actId="313"/>
-          <ac:spMkLst>
-            <pc:docMk/>
-            <pc:sldMk cId="3048934382" sldId="260"/>
-            <ac:spMk id="12" creationId="{071F4D30-F45B-4CB8-A8CD-15EA5F112414}"/>
-          </ac:spMkLst>
-        </pc:spChg>
-        <pc:graphicFrameChg chg="mod">
-          <ac:chgData name="Morgane Caillosse" userId="8333b86f315e616d" providerId="LiveId" clId="{50B67AB2-FF4B-448F-AD36-432A9211974C}" dt="2021-05-20T18:26:57.149" v="74" actId="1076"/>
-          <ac:graphicFrameMkLst>
-            <pc:docMk/>
-            <pc:sldMk cId="3048934382" sldId="260"/>
-            <ac:graphicFrameMk id="3" creationId="{17E4DC63-CBF2-4C0D-BADA-232784AD5104}"/>
-          </ac:graphicFrameMkLst>
-        </pc:graphicFrameChg>
-        <pc:cxnChg chg="add mod">
-          <ac:chgData name="Morgane Caillosse" userId="8333b86f315e616d" providerId="LiveId" clId="{50B67AB2-FF4B-448F-AD36-432A9211974C}" dt="2021-05-20T18:27:59.577" v="84" actId="208"/>
-          <ac:cxnSpMkLst>
-            <pc:docMk/>
-            <pc:sldMk cId="3048934382" sldId="260"/>
-            <ac:cxnSpMk id="9" creationId="{B1A948A8-9D0F-4FEE-AD5B-53125AC9561C}"/>
-          </ac:cxnSpMkLst>
-        </pc:cxnChg>
-      </pc:sldChg>
-      <pc:sldChg chg="modSp mod">
-        <pc:chgData name="Morgane Caillosse" userId="8333b86f315e616d" providerId="LiveId" clId="{50B67AB2-FF4B-448F-AD36-432A9211974C}" dt="2021-05-20T18:10:33.746" v="4" actId="20577"/>
-        <pc:sldMkLst>
-          <pc:docMk/>
-          <pc:sldMk cId="396336157" sldId="267"/>
-        </pc:sldMkLst>
-        <pc:spChg chg="mod">
-          <ac:chgData name="Morgane Caillosse" userId="8333b86f315e616d" providerId="LiveId" clId="{50B67AB2-FF4B-448F-AD36-432A9211974C}" dt="2021-05-20T18:10:33.746" v="4" actId="20577"/>
-          <ac:spMkLst>
-            <pc:docMk/>
-            <pc:sldMk cId="396336157" sldId="267"/>
-            <ac:spMk id="4" creationId="{37C313B5-FF6B-4847-95E1-1AA177F13FB4}"/>
-          </ac:spMkLst>
-        </pc:spChg>
-      </pc:sldChg>
-      <pc:sldChg chg="addSp delSp modSp new mod">
-        <pc:chgData name="Morgane Caillosse" userId="8333b86f315e616d" providerId="LiveId" clId="{50B67AB2-FF4B-448F-AD36-432A9211974C}" dt="2021-05-20T18:52:06.429" v="685" actId="931"/>
-        <pc:sldMkLst>
-          <pc:docMk/>
-          <pc:sldMk cId="1514309505" sldId="270"/>
-        </pc:sldMkLst>
-        <pc:spChg chg="del">
-          <ac:chgData name="Morgane Caillosse" userId="8333b86f315e616d" providerId="LiveId" clId="{50B67AB2-FF4B-448F-AD36-432A9211974C}" dt="2021-05-20T18:40:17.827" v="164" actId="478"/>
-          <ac:spMkLst>
-            <pc:docMk/>
-            <pc:sldMk cId="1514309505" sldId="270"/>
-            <ac:spMk id="2" creationId="{D3684267-7057-478D-89EC-4CB74108A87B}"/>
-          </ac:spMkLst>
-        </pc:spChg>
-        <pc:spChg chg="add mod">
-          <ac:chgData name="Morgane Caillosse" userId="8333b86f315e616d" providerId="LiveId" clId="{50B67AB2-FF4B-448F-AD36-432A9211974C}" dt="2021-05-20T18:40:58.375" v="219" actId="20577"/>
-          <ac:spMkLst>
-            <pc:docMk/>
-            <pc:sldMk cId="1514309505" sldId="270"/>
-            <ac:spMk id="3" creationId="{BB0F9596-1E82-4828-917D-FDA9913B5632}"/>
-          </ac:spMkLst>
-        </pc:spChg>
-        <pc:spChg chg="add del mod">
-          <ac:chgData name="Morgane Caillosse" userId="8333b86f315e616d" providerId="LiveId" clId="{50B67AB2-FF4B-448F-AD36-432A9211974C}" dt="2021-05-20T18:48:44.451" v="606"/>
-          <ac:spMkLst>
-            <pc:docMk/>
-            <pc:sldMk cId="1514309505" sldId="270"/>
-            <ac:spMk id="4" creationId="{5AC41866-F368-4329-A0A8-58513658BBB2}"/>
-          </ac:spMkLst>
-        </pc:spChg>
-        <pc:spChg chg="add del mod">
-          <ac:chgData name="Morgane Caillosse" userId="8333b86f315e616d" providerId="LiveId" clId="{50B67AB2-FF4B-448F-AD36-432A9211974C}" dt="2021-05-20T18:48:44.447" v="604" actId="478"/>
-          <ac:spMkLst>
-            <pc:docMk/>
-            <pc:sldMk cId="1514309505" sldId="270"/>
-            <ac:spMk id="6" creationId="{A9807443-A3F1-4021-9057-D2ED1076C1FA}"/>
-          </ac:spMkLst>
-        </pc:spChg>
-        <pc:spChg chg="add mod">
-          <ac:chgData name="Morgane Caillosse" userId="8333b86f315e616d" providerId="LiveId" clId="{50B67AB2-FF4B-448F-AD36-432A9211974C}" dt="2021-05-20T18:50:06.301" v="676" actId="1076"/>
-          <ac:spMkLst>
-            <pc:docMk/>
-            <pc:sldMk cId="1514309505" sldId="270"/>
-            <ac:spMk id="8" creationId="{734EFF86-FA41-4C27-89F1-8334FCADFCD6}"/>
-          </ac:spMkLst>
-        </pc:spChg>
-        <pc:spChg chg="add mod">
-          <ac:chgData name="Morgane Caillosse" userId="8333b86f315e616d" providerId="LiveId" clId="{50B67AB2-FF4B-448F-AD36-432A9211974C}" dt="2021-05-20T18:49:59.533" v="673" actId="1076"/>
-          <ac:spMkLst>
-            <pc:docMk/>
-            <pc:sldMk cId="1514309505" sldId="270"/>
-            <ac:spMk id="9" creationId="{58EC2982-9E1F-4FD7-89C8-1F856109C16C}"/>
-          </ac:spMkLst>
-        </pc:spChg>
-        <pc:spChg chg="add mod">
-          <ac:chgData name="Morgane Caillosse" userId="8333b86f315e616d" providerId="LiveId" clId="{50B67AB2-FF4B-448F-AD36-432A9211974C}" dt="2021-05-20T18:50:16.052" v="680" actId="1076"/>
-          <ac:spMkLst>
-            <pc:docMk/>
-            <pc:sldMk cId="1514309505" sldId="270"/>
-            <ac:spMk id="10" creationId="{5CCB8F08-5258-4411-A87D-23C2D03D5A24}"/>
-          </ac:spMkLst>
-        </pc:spChg>
-        <pc:graphicFrameChg chg="add mod modGraphic">
-          <ac:chgData name="Morgane Caillosse" userId="8333b86f315e616d" providerId="LiveId" clId="{50B67AB2-FF4B-448F-AD36-432A9211974C}" dt="2021-05-20T18:52:06.429" v="685" actId="931"/>
-          <ac:graphicFrameMkLst>
-            <pc:docMk/>
-            <pc:sldMk cId="1514309505" sldId="270"/>
-            <ac:graphicFrameMk id="5" creationId="{99E3AA2A-32D0-4746-B448-A6056ABDFAC1}"/>
-          </ac:graphicFrameMkLst>
-        </pc:graphicFrameChg>
-      </pc:sldChg>
     </pc:docChg>
   </pc:docChgLst>
 </pc:chgInfo>
@@ -15638,7 +15638,7 @@
         <p14:prism/>
       </p:transition>
     </mc:Choice>
-    <mc:Fallback xmlns="" xmlns:mv="urn:schemas-microsoft-com:mac:vml" xmlns:c="http://schemas.openxmlformats.org/drawingml/2006/chart" xmlns:dgm="http://schemas.openxmlformats.org/drawingml/2006/diagram" xmlns:o="urn:schemas-microsoft-com:office:office" xmlns:v="urn:schemas-microsoft-com:vml" xmlns:pvml="urn:schemas-microsoft-com:office:powerpoint" xmlns:com="http://schemas.openxmlformats.org/drawingml/2006/compatibility" xmlns:p15="http://schemas.microsoft.com/office/powerpoint/2012/main" xmlns:ahyp="http://schemas.microsoft.com/office/drawing/2018/hyperlinkcolor">
+    <mc:Fallback xmlns:ahyp="http://schemas.microsoft.com/office/drawing/2018/hyperlinkcolor" xmlns:p15="http://schemas.microsoft.com/office/powerpoint/2012/main" xmlns:com="http://schemas.openxmlformats.org/drawingml/2006/compatibility" xmlns:pvml="urn:schemas-microsoft-com:office:powerpoint" xmlns:v="urn:schemas-microsoft-com:vml" xmlns:o="urn:schemas-microsoft-com:office:office" xmlns:dgm="http://schemas.openxmlformats.org/drawingml/2006/diagram" xmlns:c="http://schemas.openxmlformats.org/drawingml/2006/chart" xmlns:mv="urn:schemas-microsoft-com:mac:vml" xmlns="">
       <p:transition>
         <p:fade/>
       </p:transition>
@@ -15679,7 +15679,7 @@
         <p:spPr>
           <a:xfrm>
             <a:off x="446193" y="1881"/>
-            <a:ext cx="6039153" cy="584775"/>
+            <a:ext cx="6039153" cy="492443"/>
           </a:xfrm>
           <a:prstGeom prst="rect">
             <a:avLst/>
@@ -15700,10 +15700,15 @@
           <a:lstStyle/>
           <a:p>
             <a:r>
-              <a:rPr lang="fr-FR" sz="3200" b="1" dirty="0">
+              <a:rPr lang="fr-FR" sz="2600" b="1" dirty="0">
                 <a:solidFill>
                   <a:srgbClr val="FF0000"/>
                 </a:solidFill>
+                <a:effectLst>
+                  <a:outerShdw blurRad="50800" dist="50800" dir="5400000" algn="ctr" rotWithShape="0">
+                    <a:schemeClr val="accent3"/>
+                  </a:outerShdw>
+                </a:effectLst>
                 <a:latin typeface="Mutka"/>
               </a:rPr>
               <a:t>Conclusion</a:t>
@@ -15985,13 +15990,27 @@
           <a:lstStyle/>
           <a:p>
             <a:r>
+              <a:rPr lang="fr-FR" sz="2600" b="1" dirty="0">
+                <a:solidFill>
+                  <a:srgbClr val="FF0000"/>
+                </a:solidFill>
+                <a:effectLst>
+                  <a:outerShdw blurRad="50800" dist="50800" dir="5400000" algn="ctr" rotWithShape="0">
+                    <a:schemeClr val="accent3"/>
+                  </a:outerShdw>
+                </a:effectLst>
+                <a:latin typeface="Mutka"/>
+              </a:rPr>
+              <a:t>Résultat</a:t>
+            </a:r>
+            <a:r>
               <a:rPr lang="fr-FR" sz="3200" b="1" dirty="0">
                 <a:solidFill>
                   <a:srgbClr val="FF0000"/>
                 </a:solidFill>
                 <a:latin typeface="Mutka"/>
               </a:rPr>
-              <a:t>Résultat du modèle</a:t>
+              <a:t> du modèle</a:t>
             </a:r>
           </a:p>
         </p:txBody>
@@ -17004,10 +17023,15 @@
           <a:lstStyle/>
           <a:p>
             <a:r>
-              <a:rPr lang="fr-FR" sz="3200" b="1" dirty="0" err="1">
+              <a:rPr lang="fr-FR" sz="2600" b="1" dirty="0" err="1">
                 <a:solidFill>
                   <a:srgbClr val="FF0000"/>
                 </a:solidFill>
+                <a:effectLst>
+                  <a:outerShdw blurRad="50800" dist="50800" dir="5400000" algn="ctr" rotWithShape="0">
+                    <a:schemeClr val="accent3"/>
+                  </a:outerShdw>
+                </a:effectLst>
                 <a:latin typeface="Mutka"/>
               </a:rPr>
               <a:t>Precision-Recall</a:t>
@@ -17019,21 +17043,77 @@
                 </a:solidFill>
                 <a:latin typeface="Mutka"/>
               </a:rPr>
-              <a:t> et Roc </a:t>
-            </a:r>
-            <a:r>
-              <a:rPr lang="fr-FR" sz="3200" b="1" dirty="0" err="1">
+              <a:t> </a:t>
+            </a:r>
+            <a:r>
+              <a:rPr lang="fr-FR" sz="2600" b="1" dirty="0">
+                <a:solidFill>
+                  <a:srgbClr val="FF0000"/>
+                </a:solidFill>
+                <a:effectLst>
+                  <a:outerShdw blurRad="50800" dist="50800" dir="5400000" algn="ctr" rotWithShape="0">
+                    <a:schemeClr val="accent3"/>
+                  </a:outerShdw>
+                </a:effectLst>
+                <a:latin typeface="Mutka"/>
+              </a:rPr>
+              <a:t>et</a:t>
+            </a:r>
+            <a:r>
+              <a:rPr lang="fr-FR" sz="3200" b="1" dirty="0">
                 <a:solidFill>
                   <a:srgbClr val="FF0000"/>
                 </a:solidFill>
                 <a:latin typeface="Mutka"/>
               </a:rPr>
+              <a:t> </a:t>
+            </a:r>
+            <a:r>
+              <a:rPr lang="fr-FR" sz="2600" b="1" dirty="0">
+                <a:solidFill>
+                  <a:srgbClr val="FF0000"/>
+                </a:solidFill>
+                <a:effectLst>
+                  <a:outerShdw blurRad="50800" dist="50800" dir="5400000" algn="ctr" rotWithShape="0">
+                    <a:schemeClr val="accent3"/>
+                  </a:outerShdw>
+                </a:effectLst>
+                <a:latin typeface="Mutka"/>
+              </a:rPr>
+              <a:t>Roc</a:t>
+            </a:r>
+            <a:r>
+              <a:rPr lang="fr-FR" sz="3200" b="1" dirty="0">
+                <a:solidFill>
+                  <a:srgbClr val="FF0000"/>
+                </a:solidFill>
+                <a:latin typeface="Mutka"/>
+              </a:rPr>
+              <a:t> </a:t>
+            </a:r>
+            <a:r>
+              <a:rPr lang="fr-FR" sz="2600" b="1" dirty="0" err="1">
+                <a:solidFill>
+                  <a:srgbClr val="FF0000"/>
+                </a:solidFill>
+                <a:effectLst>
+                  <a:outerShdw blurRad="50800" dist="50800" dir="5400000" algn="ctr" rotWithShape="0">
+                    <a:schemeClr val="accent3"/>
+                  </a:outerShdw>
+                </a:effectLst>
+                <a:latin typeface="Mutka"/>
+              </a:rPr>
               <a:t>Curve</a:t>
             </a:r>
-            <a:endParaRPr lang="fr-FR" sz="3200" b="1" dirty="0">
+            <a:endParaRPr lang="fr-FR" sz="2600" b="1" dirty="0">
               <a:solidFill>
                 <a:srgbClr val="FF0000"/>
               </a:solidFill>
+              <a:effectLst>
+                <a:outerShdw blurRad="50800" dist="50800" dir="5400000" algn="ctr" rotWithShape="0">
+                  <a:schemeClr val="accent3"/>
+                </a:outerShdw>
+              </a:effectLst>
               <a:latin typeface="Mutka"/>
             </a:endParaRPr>
           </a:p>
@@ -17364,7 +17444,7 @@
         <p:spPr>
           <a:xfrm>
             <a:off x="417164" y="0"/>
-            <a:ext cx="6039153" cy="584775"/>
+            <a:ext cx="6039153" cy="492443"/>
           </a:xfrm>
           <a:prstGeom prst="rect">
             <a:avLst/>
@@ -17385,27 +17465,42 @@
           <a:lstStyle/>
           <a:p>
             <a:r>
-              <a:rPr lang="fr-FR" sz="3200" b="1" dirty="0">
+              <a:rPr lang="fr-FR" sz="2600" b="1" dirty="0">
                 <a:solidFill>
                   <a:srgbClr val="FF0000"/>
                 </a:solidFill>
+                <a:effectLst>
+                  <a:outerShdw blurRad="50800" dist="50800" dir="5400000" algn="ctr" rotWithShape="0">
+                    <a:schemeClr val="accent3"/>
+                  </a:outerShdw>
+                </a:effectLst>
                 <a:latin typeface="Mutka"/>
               </a:rPr>
               <a:t>Point to Double the </a:t>
             </a:r>
             <a:r>
-              <a:rPr lang="fr-FR" sz="3200" b="1" dirty="0" err="1">
+              <a:rPr lang="fr-FR" sz="2600" b="1" dirty="0" err="1">
                 <a:solidFill>
                   <a:srgbClr val="FF0000"/>
                 </a:solidFill>
+                <a:effectLst>
+                  <a:outerShdw blurRad="50800" dist="50800" dir="5400000" algn="ctr" rotWithShape="0">
+                    <a:schemeClr val="accent3"/>
+                  </a:outerShdw>
+                </a:effectLst>
                 <a:latin typeface="Mutka"/>
               </a:rPr>
               <a:t>Odds</a:t>
             </a:r>
-            <a:endParaRPr lang="fr-FR" sz="3200" b="1" dirty="0">
+            <a:endParaRPr lang="fr-FR" sz="2600" b="1" dirty="0">
               <a:solidFill>
                 <a:srgbClr val="FF0000"/>
               </a:solidFill>
+              <a:effectLst>
+                <a:outerShdw blurRad="50800" dist="50800" dir="5400000" algn="ctr" rotWithShape="0">
+                  <a:schemeClr val="accent3"/>
+                </a:outerShdw>
+              </a:effectLst>
               <a:latin typeface="Mutka"/>
             </a:endParaRPr>
           </a:p>
@@ -17550,7 +17645,7 @@
         </p:nvSpPr>
         <p:spPr>
           <a:xfrm>
-            <a:off x="402651" y="38643"/>
+            <a:off x="272269" y="-64858"/>
             <a:ext cx="7340474" cy="584775"/>
           </a:xfrm>
           <a:prstGeom prst="rect">
@@ -17572,13 +17667,64 @@
           <a:lstStyle/>
           <a:p>
             <a:r>
+              <a:rPr lang="fr-FR" sz="2600" b="1" dirty="0">
+                <a:solidFill>
+                  <a:srgbClr val="FF0000"/>
+                </a:solidFill>
+                <a:effectLst>
+                  <a:outerShdw blurRad="50800" dist="50800" dir="5400000" algn="ctr" rotWithShape="0">
+                    <a:schemeClr val="accent3"/>
+                  </a:outerShdw>
+                </a:effectLst>
+                <a:latin typeface="Mutka"/>
+              </a:rPr>
+              <a:t>WOE</a:t>
+            </a:r>
+            <a:r>
               <a:rPr lang="fr-FR" sz="3200" b="1" dirty="0">
                 <a:solidFill>
                   <a:srgbClr val="FF0000"/>
                 </a:solidFill>
                 <a:latin typeface="Mutka"/>
               </a:rPr>
-              <a:t>WOE et IV</a:t>
+              <a:t> </a:t>
+            </a:r>
+            <a:r>
+              <a:rPr lang="fr-FR" sz="2600" b="1" dirty="0">
+                <a:solidFill>
+                  <a:srgbClr val="FF0000"/>
+                </a:solidFill>
+                <a:effectLst>
+                  <a:outerShdw blurRad="50800" dist="50800" dir="5400000" algn="ctr" rotWithShape="0">
+                    <a:schemeClr val="accent3"/>
+                  </a:outerShdw>
+                </a:effectLst>
+                <a:latin typeface="Mutka"/>
+              </a:rPr>
+              <a:t>et</a:t>
+            </a:r>
+            <a:r>
+              <a:rPr lang="fr-FR" sz="3200" b="1" dirty="0">
+                <a:solidFill>
+                  <a:srgbClr val="FF0000"/>
+                </a:solidFill>
+                <a:latin typeface="Mutka"/>
+              </a:rPr>
+              <a:t> </a:t>
+            </a:r>
+            <a:r>
+              <a:rPr lang="fr-FR" sz="2600" b="1" dirty="0">
+                <a:solidFill>
+                  <a:srgbClr val="FF0000"/>
+                </a:solidFill>
+                <a:effectLst>
+                  <a:outerShdw blurRad="50800" dist="50800" dir="5400000" algn="ctr" rotWithShape="0">
+                    <a:schemeClr val="accent3"/>
+                  </a:outerShdw>
+                </a:effectLst>
+                <a:latin typeface="Mutka"/>
+              </a:rPr>
+              <a:t>IV</a:t>
             </a:r>
           </a:p>
         </p:txBody>
@@ -18188,7 +18334,7 @@
         <p:spPr>
           <a:xfrm>
             <a:off x="524922" y="0"/>
-            <a:ext cx="4920343" cy="584775"/>
+            <a:ext cx="4920343" cy="492443"/>
           </a:xfrm>
           <a:prstGeom prst="rect">
             <a:avLst/>
@@ -18209,10 +18355,15 @@
           <a:lstStyle/>
           <a:p>
             <a:r>
-              <a:rPr lang="fr-FR" sz="3200" b="1" dirty="0">
+              <a:rPr lang="fr-FR" sz="2600" b="1" dirty="0">
                 <a:solidFill>
                   <a:srgbClr val="FF0000"/>
                 </a:solidFill>
+                <a:effectLst>
+                  <a:outerShdw blurRad="50800" dist="50800" dir="5400000" algn="ctr" rotWithShape="0">
+                    <a:schemeClr val="accent3"/>
+                  </a:outerShdw>
+                </a:effectLst>
                 <a:latin typeface="Mutka"/>
               </a:rPr>
               <a:t>Introduction</a:t>
@@ -18563,7 +18714,7 @@
         <p14:prism/>
       </p:transition>
     </mc:Choice>
-    <mc:Fallback xmlns="" xmlns:mv="urn:schemas-microsoft-com:mac:vml" xmlns:c="http://schemas.openxmlformats.org/drawingml/2006/chart" xmlns:dgm="http://schemas.openxmlformats.org/drawingml/2006/diagram" xmlns:o="urn:schemas-microsoft-com:office:office" xmlns:v="urn:schemas-microsoft-com:vml" xmlns:pvml="urn:schemas-microsoft-com:office:powerpoint" xmlns:com="http://schemas.openxmlformats.org/drawingml/2006/compatibility" xmlns:p15="http://schemas.microsoft.com/office/powerpoint/2012/main" xmlns:ahyp="http://schemas.microsoft.com/office/drawing/2018/hyperlinkcolor">
+    <mc:Fallback xmlns:ahyp="http://schemas.microsoft.com/office/drawing/2018/hyperlinkcolor" xmlns:p15="http://schemas.microsoft.com/office/powerpoint/2012/main" xmlns:com="http://schemas.openxmlformats.org/drawingml/2006/compatibility" xmlns:pvml="urn:schemas-microsoft-com:office:powerpoint" xmlns:v="urn:schemas-microsoft-com:vml" xmlns:o="urn:schemas-microsoft-com:office:office" xmlns:dgm="http://schemas.openxmlformats.org/drawingml/2006/diagram" xmlns:c="http://schemas.openxmlformats.org/drawingml/2006/chart" xmlns:mv="urn:schemas-microsoft-com:mac:vml" xmlns="">
       <p:transition>
         <p:fade/>
       </p:transition>
@@ -18793,7 +18944,7 @@
         <p:spPr>
           <a:xfrm>
             <a:off x="463247" y="-72756"/>
-            <a:ext cx="4920343" cy="584775"/>
+            <a:ext cx="4920343" cy="492443"/>
           </a:xfrm>
           <a:prstGeom prst="rect">
             <a:avLst/>
@@ -18814,7 +18965,7 @@
           <a:lstStyle/>
           <a:p>
             <a:r>
-              <a:rPr lang="fr-FR" sz="3200" b="1" dirty="0">
+              <a:rPr lang="fr-FR" sz="2600" b="1" dirty="0">
                 <a:solidFill>
                   <a:srgbClr val="FF0000"/>
                 </a:solidFill>
@@ -20099,6 +20250,20 @@
           <a:lstStyle/>
           <a:p>
             <a:r>
+              <a:rPr lang="fr-FR" sz="2600" b="1" dirty="0">
+                <a:solidFill>
+                  <a:srgbClr val="FF0000"/>
+                </a:solidFill>
+                <a:effectLst>
+                  <a:outerShdw blurRad="50800" dist="50800" dir="5400000" algn="ctr" rotWithShape="0">
+                    <a:schemeClr val="accent3"/>
+                  </a:outerShdw>
+                </a:effectLst>
+                <a:latin typeface="Mutka"/>
+              </a:rPr>
+              <a:t>Présentation</a:t>
+            </a:r>
+            <a:r>
               <a:rPr lang="fr-FR" sz="3200" b="1" dirty="0">
                 <a:solidFill>
                   <a:srgbClr val="FF0000"/>
@@ -20110,7 +20275,49 @@
                 </a:effectLst>
                 <a:latin typeface="Mutka"/>
               </a:rPr>
-              <a:t>Présentation des données</a:t>
+              <a:t> </a:t>
+            </a:r>
+            <a:r>
+              <a:rPr lang="fr-FR" sz="2600" b="1" dirty="0">
+                <a:solidFill>
+                  <a:srgbClr val="FF0000"/>
+                </a:solidFill>
+                <a:effectLst>
+                  <a:outerShdw blurRad="50800" dist="50800" dir="5400000" algn="ctr" rotWithShape="0">
+                    <a:schemeClr val="accent3"/>
+                  </a:outerShdw>
+                </a:effectLst>
+                <a:latin typeface="Mutka"/>
+              </a:rPr>
+              <a:t>des</a:t>
+            </a:r>
+            <a:r>
+              <a:rPr lang="fr-FR" sz="3200" b="1" dirty="0">
+                <a:solidFill>
+                  <a:srgbClr val="FF0000"/>
+                </a:solidFill>
+                <a:effectLst>
+                  <a:outerShdw blurRad="50800" dist="50800" dir="5400000" algn="ctr" rotWithShape="0">
+                    <a:schemeClr val="accent3"/>
+                  </a:outerShdw>
+                </a:effectLst>
+                <a:latin typeface="Mutka"/>
+              </a:rPr>
+              <a:t> </a:t>
+            </a:r>
+            <a:r>
+              <a:rPr lang="fr-FR" sz="2600" b="1" dirty="0">
+                <a:solidFill>
+                  <a:srgbClr val="FF0000"/>
+                </a:solidFill>
+                <a:effectLst>
+                  <a:outerShdw blurRad="50800" dist="50800" dir="5400000" algn="ctr" rotWithShape="0">
+                    <a:schemeClr val="accent3"/>
+                  </a:outerShdw>
+                </a:effectLst>
+                <a:latin typeface="Mutka"/>
+              </a:rPr>
+              <a:t>données</a:t>
             </a:r>
           </a:p>
         </p:txBody>
@@ -20677,6 +20884,20 @@
           <a:lstStyle/>
           <a:p>
             <a:r>
+              <a:rPr lang="fr-FR" sz="2600" b="1" dirty="0">
+                <a:solidFill>
+                  <a:srgbClr val="FF0000"/>
+                </a:solidFill>
+                <a:effectLst>
+                  <a:outerShdw blurRad="50800" dist="50800" dir="5400000" algn="ctr" rotWithShape="0">
+                    <a:schemeClr val="accent3"/>
+                  </a:outerShdw>
+                </a:effectLst>
+                <a:latin typeface="Mutka"/>
+              </a:rPr>
+              <a:t>Choix</a:t>
+            </a:r>
+            <a:r>
               <a:rPr lang="fr-FR" sz="3200" b="1" dirty="0">
                 <a:solidFill>
                   <a:srgbClr val="FF0000"/>
@@ -20688,7 +20909,49 @@
                 </a:effectLst>
                 <a:latin typeface="Mutka"/>
               </a:rPr>
-              <a:t>Choix des variables</a:t>
+              <a:t> </a:t>
+            </a:r>
+            <a:r>
+              <a:rPr lang="fr-FR" sz="2600" b="1" dirty="0">
+                <a:solidFill>
+                  <a:srgbClr val="FF0000"/>
+                </a:solidFill>
+                <a:effectLst>
+                  <a:outerShdw blurRad="50800" dist="50800" dir="5400000" algn="ctr" rotWithShape="0">
+                    <a:schemeClr val="accent3"/>
+                  </a:outerShdw>
+                </a:effectLst>
+                <a:latin typeface="Mutka"/>
+              </a:rPr>
+              <a:t>des</a:t>
+            </a:r>
+            <a:r>
+              <a:rPr lang="fr-FR" sz="3200" b="1" dirty="0">
+                <a:solidFill>
+                  <a:srgbClr val="FF0000"/>
+                </a:solidFill>
+                <a:effectLst>
+                  <a:outerShdw blurRad="50800" dist="50800" dir="5400000" algn="ctr" rotWithShape="0">
+                    <a:schemeClr val="accent3"/>
+                  </a:outerShdw>
+                </a:effectLst>
+                <a:latin typeface="Mutka"/>
+              </a:rPr>
+              <a:t> </a:t>
+            </a:r>
+            <a:r>
+              <a:rPr lang="fr-FR" sz="2600" b="1" dirty="0">
+                <a:solidFill>
+                  <a:srgbClr val="FF0000"/>
+                </a:solidFill>
+                <a:effectLst>
+                  <a:outerShdw blurRad="50800" dist="50800" dir="5400000" algn="ctr" rotWithShape="0">
+                    <a:schemeClr val="accent3"/>
+                  </a:outerShdw>
+                </a:effectLst>
+                <a:latin typeface="Mutka"/>
+              </a:rPr>
+              <a:t>variables</a:t>
             </a:r>
           </a:p>
         </p:txBody>
@@ -21239,13 +21502,133 @@
           <a:lstStyle/>
           <a:p>
             <a:r>
+              <a:rPr lang="fr-FR" sz="2600" b="1" dirty="0">
+                <a:solidFill>
+                  <a:srgbClr val="FF0000"/>
+                </a:solidFill>
+                <a:effectLst>
+                  <a:outerShdw blurRad="50800" dist="50800" dir="5400000" algn="ctr" rotWithShape="0">
+                    <a:schemeClr val="accent3"/>
+                  </a:outerShdw>
+                </a:effectLst>
+                <a:latin typeface="Mutka"/>
+              </a:rPr>
+              <a:t>Choix</a:t>
+            </a:r>
+            <a:r>
               <a:rPr lang="fr-FR" sz="3200" b="1" dirty="0">
                 <a:solidFill>
                   <a:srgbClr val="FF0000"/>
                 </a:solidFill>
                 <a:latin typeface="Mutka"/>
               </a:rPr>
-              <a:t>Choix des variables finales et modèle</a:t>
+              <a:t> </a:t>
+            </a:r>
+            <a:r>
+              <a:rPr lang="fr-FR" sz="2600" b="1" dirty="0">
+                <a:solidFill>
+                  <a:srgbClr val="FF0000"/>
+                </a:solidFill>
+                <a:effectLst>
+                  <a:outerShdw blurRad="50800" dist="50800" dir="5400000" algn="ctr" rotWithShape="0">
+                    <a:schemeClr val="accent3"/>
+                  </a:outerShdw>
+                </a:effectLst>
+                <a:latin typeface="Mutka"/>
+              </a:rPr>
+              <a:t>des</a:t>
+            </a:r>
+            <a:r>
+              <a:rPr lang="fr-FR" sz="3200" b="1" dirty="0">
+                <a:solidFill>
+                  <a:srgbClr val="FF0000"/>
+                </a:solidFill>
+                <a:latin typeface="Mutka"/>
+              </a:rPr>
+              <a:t> </a:t>
+            </a:r>
+            <a:r>
+              <a:rPr lang="fr-FR" sz="2600" b="1" dirty="0">
+                <a:solidFill>
+                  <a:srgbClr val="FF0000"/>
+                </a:solidFill>
+                <a:effectLst>
+                  <a:outerShdw blurRad="50800" dist="50800" dir="5400000" algn="ctr" rotWithShape="0">
+                    <a:schemeClr val="accent3"/>
+                  </a:outerShdw>
+                </a:effectLst>
+                <a:latin typeface="Mutka"/>
+              </a:rPr>
+              <a:t>variables</a:t>
+            </a:r>
+            <a:r>
+              <a:rPr lang="fr-FR" sz="3200" b="1" dirty="0">
+                <a:solidFill>
+                  <a:srgbClr val="FF0000"/>
+                </a:solidFill>
+                <a:latin typeface="Mutka"/>
+              </a:rPr>
+              <a:t> </a:t>
+            </a:r>
+            <a:r>
+              <a:rPr lang="fr-FR" sz="2600" b="1" dirty="0">
+                <a:solidFill>
+                  <a:srgbClr val="FF0000"/>
+                </a:solidFill>
+                <a:effectLst>
+                  <a:outerShdw blurRad="50800" dist="50800" dir="5400000" algn="ctr" rotWithShape="0">
+                    <a:schemeClr val="accent3"/>
+                  </a:outerShdw>
+                </a:effectLst>
+                <a:latin typeface="Mutka"/>
+              </a:rPr>
+              <a:t>finales</a:t>
+            </a:r>
+            <a:r>
+              <a:rPr lang="fr-FR" sz="3200" b="1" dirty="0">
+                <a:solidFill>
+                  <a:srgbClr val="FF0000"/>
+                </a:solidFill>
+                <a:latin typeface="Mutka"/>
+              </a:rPr>
+              <a:t> </a:t>
+            </a:r>
+            <a:r>
+              <a:rPr lang="fr-FR" sz="2600" b="1" dirty="0">
+                <a:solidFill>
+                  <a:srgbClr val="FF0000"/>
+                </a:solidFill>
+                <a:effectLst>
+                  <a:outerShdw blurRad="50800" dist="50800" dir="5400000" algn="ctr" rotWithShape="0">
+                    <a:schemeClr val="accent3"/>
+                  </a:outerShdw>
+                </a:effectLst>
+                <a:latin typeface="Mutka"/>
+              </a:rPr>
+              <a:t>et</a:t>
+            </a:r>
+            <a:r>
+              <a:rPr lang="fr-FR" sz="3200" b="1" dirty="0">
+                <a:solidFill>
+                  <a:srgbClr val="FF0000"/>
+                </a:solidFill>
+                <a:latin typeface="Mutka"/>
+              </a:rPr>
+              <a:t> </a:t>
+            </a:r>
+            <a:r>
+              <a:rPr lang="fr-FR" sz="2600" b="1" dirty="0">
+                <a:solidFill>
+                  <a:srgbClr val="FF0000"/>
+                </a:solidFill>
+                <a:effectLst>
+                  <a:outerShdw blurRad="50800" dist="50800" dir="5400000" algn="ctr" rotWithShape="0">
+                    <a:schemeClr val="accent3"/>
+                  </a:outerShdw>
+                </a:effectLst>
+                <a:latin typeface="Mutka"/>
+              </a:rPr>
+              <a:t>modèle</a:t>
             </a:r>
           </a:p>
         </p:txBody>
@@ -22656,13 +23039,87 @@
           <a:lstStyle/>
           <a:p>
             <a:r>
+              <a:rPr lang="fr-FR" sz="2600" b="1" dirty="0">
+                <a:solidFill>
+                  <a:srgbClr val="FF0000"/>
+                </a:solidFill>
+                <a:effectLst>
+                  <a:outerShdw blurRad="50800" dist="50800" dir="5400000" algn="ctr" rotWithShape="0">
+                    <a:schemeClr val="accent3"/>
+                  </a:outerShdw>
+                </a:effectLst>
+                <a:latin typeface="Mutka"/>
+              </a:rPr>
+              <a:t>Grille</a:t>
+            </a:r>
+            <a:r>
               <a:rPr lang="fr-FR" sz="3200" b="1" dirty="0">
                 <a:solidFill>
                   <a:srgbClr val="FF0000"/>
                 </a:solidFill>
                 <a:latin typeface="Mutka"/>
               </a:rPr>
-              <a:t>Grille de score : </a:t>
+              <a:t> </a:t>
+            </a:r>
+            <a:r>
+              <a:rPr lang="fr-FR" sz="2600" b="1" dirty="0">
+                <a:solidFill>
+                  <a:srgbClr val="FF0000"/>
+                </a:solidFill>
+                <a:effectLst>
+                  <a:outerShdw blurRad="50800" dist="50800" dir="5400000" algn="ctr" rotWithShape="0">
+                    <a:schemeClr val="accent3"/>
+                  </a:outerShdw>
+                </a:effectLst>
+                <a:latin typeface="Mutka"/>
+              </a:rPr>
+              <a:t>de</a:t>
+            </a:r>
+            <a:r>
+              <a:rPr lang="fr-FR" sz="3200" b="1" dirty="0">
+                <a:solidFill>
+                  <a:srgbClr val="FF0000"/>
+                </a:solidFill>
+                <a:latin typeface="Mutka"/>
+              </a:rPr>
+              <a:t> </a:t>
+            </a:r>
+            <a:r>
+              <a:rPr lang="fr-FR" sz="2600" b="1" dirty="0">
+                <a:solidFill>
+                  <a:srgbClr val="FF0000"/>
+                </a:solidFill>
+                <a:effectLst>
+                  <a:outerShdw blurRad="50800" dist="50800" dir="5400000" algn="ctr" rotWithShape="0">
+                    <a:schemeClr val="accent3"/>
+                  </a:outerShdw>
+                </a:effectLst>
+                <a:latin typeface="Mutka"/>
+              </a:rPr>
+              <a:t>score</a:t>
+            </a:r>
+            <a:r>
+              <a:rPr lang="fr-FR" sz="3200" b="1" dirty="0">
+                <a:solidFill>
+                  <a:srgbClr val="FF0000"/>
+                </a:solidFill>
+                <a:latin typeface="Mutka"/>
+              </a:rPr>
+              <a:t> : </a:t>
+            </a:r>
+            <a:r>
+              <a:rPr lang="fr-FR" sz="2600" b="1" dirty="0">
+                <a:solidFill>
+                  <a:srgbClr val="FF0000"/>
+                </a:solidFill>
+                <a:effectLst>
+                  <a:outerShdw blurRad="50800" dist="50800" dir="5400000" algn="ctr" rotWithShape="0">
+                    <a:schemeClr val="accent3"/>
+                  </a:outerShdw>
+                </a:effectLst>
+                <a:latin typeface="Mutka"/>
+              </a:rPr>
+              <a:t>exemple</a:t>
             </a:r>
             <a:r>
               <a:rPr lang="fr-FR" sz="2800" b="1" dirty="0">
@@ -22671,7 +23128,44 @@
                 </a:solidFill>
                 <a:latin typeface="Mutka"/>
               </a:rPr>
-              <a:t>exemple de résultats</a:t>
+              <a:t> </a:t>
+            </a:r>
+            <a:r>
+              <a:rPr lang="fr-FR" sz="2600" b="1" dirty="0">
+                <a:solidFill>
+                  <a:srgbClr val="FF0000"/>
+                </a:solidFill>
+                <a:effectLst>
+                  <a:outerShdw blurRad="50800" dist="50800" dir="5400000" algn="ctr" rotWithShape="0">
+                    <a:schemeClr val="accent3"/>
+                  </a:outerShdw>
+                </a:effectLst>
+                <a:latin typeface="Mutka"/>
+              </a:rPr>
+              <a:t>de</a:t>
+            </a:r>
+            <a:r>
+              <a:rPr lang="fr-FR" sz="2800" b="1" dirty="0">
+                <a:solidFill>
+                  <a:srgbClr val="FF0000"/>
+                </a:solidFill>
+                <a:latin typeface="Mutka"/>
+              </a:rPr>
+              <a:t> </a:t>
+            </a:r>
+            <a:r>
+              <a:rPr lang="fr-FR" sz="2600" b="1" dirty="0">
+                <a:solidFill>
+                  <a:srgbClr val="FF0000"/>
+                </a:solidFill>
+                <a:effectLst>
+                  <a:outerShdw blurRad="50800" dist="50800" dir="5400000" algn="ctr" rotWithShape="0">
+                    <a:schemeClr val="accent3"/>
+                  </a:outerShdw>
+                </a:effectLst>
+                <a:latin typeface="Mutka"/>
+              </a:rPr>
+              <a:t>résultats</a:t>
             </a:r>
           </a:p>
         </p:txBody>
@@ -23122,13 +23616,64 @@
           <a:lstStyle/>
           <a:p>
             <a:r>
+              <a:rPr lang="fr-FR" sz="2600" b="1" dirty="0">
+                <a:solidFill>
+                  <a:srgbClr val="FF0000"/>
+                </a:solidFill>
+                <a:effectLst>
+                  <a:outerShdw blurRad="50800" dist="50800" dir="5400000" algn="ctr" rotWithShape="0">
+                    <a:schemeClr val="accent3"/>
+                  </a:outerShdw>
+                </a:effectLst>
+                <a:latin typeface="Mutka"/>
+              </a:rPr>
+              <a:t>Classes</a:t>
+            </a:r>
+            <a:r>
               <a:rPr lang="fr-FR" sz="3200" b="1" dirty="0">
                 <a:solidFill>
                   <a:srgbClr val="FF0000"/>
                 </a:solidFill>
                 <a:latin typeface="Mutka"/>
               </a:rPr>
-              <a:t>Classes de risque</a:t>
+              <a:t> </a:t>
+            </a:r>
+            <a:r>
+              <a:rPr lang="fr-FR" sz="2600" b="1" dirty="0">
+                <a:solidFill>
+                  <a:srgbClr val="FF0000"/>
+                </a:solidFill>
+                <a:effectLst>
+                  <a:outerShdw blurRad="50800" dist="50800" dir="5400000" algn="ctr" rotWithShape="0">
+                    <a:schemeClr val="accent3"/>
+                  </a:outerShdw>
+                </a:effectLst>
+                <a:latin typeface="Mutka"/>
+              </a:rPr>
+              <a:t>de</a:t>
+            </a:r>
+            <a:r>
+              <a:rPr lang="fr-FR" sz="3200" b="1" dirty="0">
+                <a:solidFill>
+                  <a:srgbClr val="FF0000"/>
+                </a:solidFill>
+                <a:latin typeface="Mutka"/>
+              </a:rPr>
+              <a:t> </a:t>
+            </a:r>
+            <a:r>
+              <a:rPr lang="fr-FR" sz="2600" b="1" dirty="0">
+                <a:solidFill>
+                  <a:srgbClr val="FF0000"/>
+                </a:solidFill>
+                <a:effectLst>
+                  <a:outerShdw blurRad="50800" dist="50800" dir="5400000" algn="ctr" rotWithShape="0">
+                    <a:schemeClr val="accent3"/>
+                  </a:outerShdw>
+                </a:effectLst>
+                <a:latin typeface="Mutka"/>
+              </a:rPr>
+              <a:t>risque</a:t>
             </a:r>
           </a:p>
         </p:txBody>
@@ -23835,7 +24380,7 @@
           <a:p>
             <a:pPr algn="ctr"/>
             <a:r>
-              <a:rPr lang="fr-FR" b="1" dirty="0">
+              <a:rPr lang="fr-FR" sz="1200" b="1" dirty="0">
                 <a:solidFill>
                   <a:srgbClr val="113B5E"/>
                 </a:solidFill>
@@ -23892,7 +24437,7 @@
           <a:p>
             <a:pPr algn="ctr"/>
             <a:r>
-              <a:rPr lang="fr-FR" b="1" dirty="0">
+              <a:rPr lang="fr-FR" sz="1200" b="1" dirty="0">
                 <a:solidFill>
                   <a:srgbClr val="113B5E"/>
                 </a:solidFill>
@@ -24064,13 +24609,64 @@
           <a:lstStyle/>
           <a:p>
             <a:r>
+              <a:rPr lang="fr-FR" sz="2600" b="1" dirty="0">
+                <a:solidFill>
+                  <a:srgbClr val="FF0000"/>
+                </a:solidFill>
+                <a:effectLst>
+                  <a:outerShdw blurRad="50800" dist="50800" dir="5400000" algn="ctr" rotWithShape="0">
+                    <a:schemeClr val="accent3"/>
+                  </a:outerShdw>
+                </a:effectLst>
+                <a:latin typeface="Mutka"/>
+              </a:rPr>
+              <a:t>Challenger</a:t>
+            </a:r>
+            <a:r>
               <a:rPr lang="fr-FR" sz="3200" b="1" dirty="0">
                 <a:solidFill>
                   <a:srgbClr val="FF0000"/>
                 </a:solidFill>
                 <a:latin typeface="Mutka"/>
               </a:rPr>
-              <a:t>Challenger le modèle</a:t>
+              <a:t> </a:t>
+            </a:r>
+            <a:r>
+              <a:rPr lang="fr-FR" sz="2600" b="1" dirty="0">
+                <a:solidFill>
+                  <a:srgbClr val="FF0000"/>
+                </a:solidFill>
+                <a:effectLst>
+                  <a:outerShdw blurRad="50800" dist="50800" dir="5400000" algn="ctr" rotWithShape="0">
+                    <a:schemeClr val="accent3"/>
+                  </a:outerShdw>
+                </a:effectLst>
+                <a:latin typeface="Mutka"/>
+              </a:rPr>
+              <a:t>le</a:t>
+            </a:r>
+            <a:r>
+              <a:rPr lang="fr-FR" sz="3200" b="1" dirty="0">
+                <a:solidFill>
+                  <a:srgbClr val="FF0000"/>
+                </a:solidFill>
+                <a:latin typeface="Mutka"/>
+              </a:rPr>
+              <a:t> </a:t>
+            </a:r>
+            <a:r>
+              <a:rPr lang="fr-FR" sz="2600" b="1" dirty="0">
+                <a:solidFill>
+                  <a:srgbClr val="FF0000"/>
+                </a:solidFill>
+                <a:effectLst>
+                  <a:outerShdw blurRad="50800" dist="50800" dir="5400000" algn="ctr" rotWithShape="0">
+                    <a:schemeClr val="accent3"/>
+                  </a:outerShdw>
+                </a:effectLst>
+                <a:latin typeface="Mutka"/>
+              </a:rPr>
+              <a:t>modèle</a:t>
             </a:r>
           </a:p>
         </p:txBody>
@@ -24090,14 +24686,14 @@
           <p:nvPr>
             <p:extLst>
               <p:ext uri="{D42A27DB-BD31-4B8C-83A1-F6EECF244321}">
-                <p14:modId xmlns:p14="http://schemas.microsoft.com/office/powerpoint/2010/main" val="1804882561"/>
+                <p14:modId xmlns:p14="http://schemas.microsoft.com/office/powerpoint/2010/main" val="1401043236"/>
               </p:ext>
             </p:extLst>
           </p:nvPr>
         </p:nvGraphicFramePr>
         <p:xfrm>
           <a:off x="446193" y="704477"/>
-          <a:ext cx="7687376" cy="2492520"/>
+          <a:ext cx="7687376" cy="2680480"/>
         </p:xfrm>
         <a:graphic>
           <a:graphicData uri="http://schemas.openxmlformats.org/drawingml/2006/table">
@@ -24150,7 +24746,7 @@
                     <a:p>
                       <a:pPr algn="ctr"/>
                       <a:r>
-                        <a:rPr lang="fr-FR" sz="2000" b="1" i="0" u="none" strike="noStrike" cap="none" dirty="0">
+                        <a:rPr lang="fr-FR" sz="1800" b="1" i="0" u="none" strike="noStrike" cap="none" dirty="0">
                           <a:solidFill>
                             <a:srgbClr val="113B5E"/>
                           </a:solidFill>
@@ -24186,7 +24782,7 @@
                         <a:buFont typeface="Arial"/>
                       </a:pPr>
                       <a:r>
-                        <a:rPr lang="fr-FR" sz="2000" b="1" i="0" u="none" strike="noStrike" cap="none" dirty="0">
+                        <a:rPr lang="fr-FR" sz="1800" b="1" i="0" u="none" strike="noStrike" cap="none" dirty="0">
                           <a:solidFill>
                             <a:srgbClr val="113B5E"/>
                           </a:solidFill>
@@ -24222,7 +24818,7 @@
                         <a:buFont typeface="Arial"/>
                       </a:pPr>
                       <a:r>
-                        <a:rPr lang="fr-FR" sz="2000" b="1" i="0" u="none" strike="noStrike" cap="none" dirty="0">
+                        <a:rPr lang="fr-FR" sz="1800" b="1" i="0" u="none" strike="noStrike" cap="none" dirty="0">
                           <a:solidFill>
                             <a:srgbClr val="113B5E"/>
                           </a:solidFill>
@@ -24258,7 +24854,7 @@
                         <a:buFont typeface="Arial"/>
                       </a:pPr>
                       <a:r>
-                        <a:rPr lang="fr-FR" sz="2000" b="1" i="0" u="none" strike="noStrike" cap="none" dirty="0" err="1">
+                        <a:rPr lang="fr-FR" sz="1800" b="1" i="0" u="none" strike="noStrike" cap="none" dirty="0" err="1">
                           <a:solidFill>
                             <a:srgbClr val="113B5E"/>
                           </a:solidFill>
@@ -24269,7 +24865,7 @@
                         </a:rPr>
                         <a:t>Recall</a:t>
                       </a:r>
-                      <a:endParaRPr lang="fr-FR" sz="2000" b="1" i="0" u="none" strike="noStrike" cap="none" dirty="0">
+                      <a:endParaRPr lang="fr-FR" sz="1800" b="1" i="0" u="none" strike="noStrike" cap="none" dirty="0">
                         <a:solidFill>
                           <a:srgbClr val="113B5E"/>
                         </a:solidFill>
@@ -24303,7 +24899,7 @@
                         <a:buFont typeface="Arial"/>
                       </a:pPr>
                       <a:r>
-                        <a:rPr lang="fr-FR" sz="2000" b="1" i="0" u="none" strike="noStrike" cap="none" dirty="0" err="1">
+                        <a:rPr lang="fr-FR" sz="1800" b="1" i="0" u="none" strike="noStrike" cap="none" dirty="0" err="1">
                           <a:solidFill>
                             <a:srgbClr val="113B5E"/>
                           </a:solidFill>
@@ -24314,7 +24910,7 @@
                         </a:rPr>
                         <a:t>Accuracy</a:t>
                       </a:r>
-                      <a:endParaRPr lang="fr-FR" sz="2000" b="1" i="0" u="none" strike="noStrike" cap="none" dirty="0">
+                      <a:endParaRPr lang="fr-FR" sz="1800" b="1" i="0" u="none" strike="noStrike" cap="none" dirty="0">
                         <a:solidFill>
                           <a:srgbClr val="113B5E"/>
                         </a:solidFill>
@@ -24339,8 +24935,9 @@
                     <a:bodyPr/>
                     <a:lstStyle/>
                     <a:p>
+                      <a:pPr algn="ctr"/>
                       <a:r>
-                        <a:rPr lang="fr-FR" sz="1600" dirty="0"/>
+                        <a:rPr lang="fr-FR" sz="1800" dirty="0"/>
                         <a:t>Régression logistique</a:t>
                       </a:r>
                     </a:p>
@@ -24353,7 +24950,7 @@
                     <a:lstStyle/>
                     <a:p>
                       <a:pPr algn="ctr"/>
-                      <a:endParaRPr lang="fr-FR" sz="1400" b="0" i="0" u="none" strike="noStrike" cap="none" dirty="0">
+                      <a:endParaRPr lang="fr-FR" sz="1800" b="0" i="0" u="none" strike="noStrike" cap="none" dirty="0">
                         <a:solidFill>
                           <a:srgbClr val="000000"/>
                         </a:solidFill>
@@ -24370,7 +24967,8 @@
                     <a:bodyPr/>
                     <a:lstStyle/>
                     <a:p>
-                      <a:endParaRPr lang="fr-FR" dirty="0"/>
+                      <a:pPr algn="ctr"/>
+                      <a:endParaRPr lang="fr-FR" sz="1800" dirty="0"/>
                     </a:p>
                   </a:txBody>
                   <a:tcPr/>
@@ -24380,7 +24978,8 @@
                     <a:bodyPr/>
                     <a:lstStyle/>
                     <a:p>
-                      <a:endParaRPr lang="fr-FR" dirty="0"/>
+                      <a:pPr algn="ctr"/>
+                      <a:endParaRPr lang="fr-FR" sz="1800" dirty="0"/>
                     </a:p>
                   </a:txBody>
                   <a:tcPr/>
@@ -24409,7 +25008,7 @@
                         <a:tabLst/>
                         <a:defRPr/>
                       </a:pPr>
-                      <a:endParaRPr lang="fr-FR" sz="1400" b="1" i="0" u="none" strike="noStrike" cap="none" dirty="0">
+                      <a:endParaRPr lang="fr-FR" sz="1800" b="1" i="0" u="none" strike="noStrike" cap="none" dirty="0">
                         <a:solidFill>
                           <a:srgbClr val="000000"/>
                         </a:solidFill>
@@ -24419,7 +25018,8 @@
                       </a:endParaRPr>
                     </a:p>
                     <a:p>
-                      <a:endParaRPr lang="fr-FR" dirty="0"/>
+                      <a:pPr algn="ctr"/>
+                      <a:endParaRPr lang="fr-FR" sz="1800" dirty="0"/>
                     </a:p>
                   </a:txBody>
                   <a:tcPr/>
@@ -24436,7 +25036,7 @@
                     <a:bodyPr/>
                     <a:lstStyle/>
                     <a:p>
-                      <a:pPr marL="0" marR="0" lvl="0" indent="0" algn="l" defTabSz="914400" rtl="0" eaLnBrk="1" fontAlgn="auto" latinLnBrk="0" hangingPunct="1">
+                      <a:pPr marL="0" marR="0" lvl="0" indent="0" algn="ctr" defTabSz="914400" rtl="0" eaLnBrk="1" fontAlgn="auto" latinLnBrk="0" hangingPunct="1">
                         <a:lnSpc>
                           <a:spcPct val="100000"/>
                         </a:lnSpc>
@@ -24456,14 +25056,14 @@
                         <a:defRPr/>
                       </a:pPr>
                       <a:r>
-                        <a:rPr lang="fr-FR" sz="1600" dirty="0"/>
+                        <a:rPr lang="fr-FR" sz="1800" dirty="0"/>
                         <a:t>Decision </a:t>
                       </a:r>
                       <a:r>
-                        <a:rPr lang="fr-FR" sz="1600" dirty="0" err="1"/>
+                        <a:rPr lang="fr-FR" sz="1800" dirty="0" err="1"/>
                         <a:t>Tree</a:t>
                       </a:r>
-                      <a:endParaRPr lang="fr-FR" sz="1600" dirty="0"/>
+                      <a:endParaRPr lang="fr-FR" sz="1800" dirty="0"/>
                     </a:p>
                   </a:txBody>
                   <a:tcPr/>
@@ -24473,7 +25073,8 @@
                     <a:bodyPr/>
                     <a:lstStyle/>
                     <a:p>
-                      <a:endParaRPr lang="fr-FR" dirty="0"/>
+                      <a:pPr algn="ctr"/>
+                      <a:endParaRPr lang="fr-FR" sz="1800" dirty="0"/>
                     </a:p>
                   </a:txBody>
                   <a:tcPr/>
@@ -24483,7 +25084,8 @@
                     <a:bodyPr/>
                     <a:lstStyle/>
                     <a:p>
-                      <a:endParaRPr lang="fr-FR" dirty="0"/>
+                      <a:pPr algn="ctr"/>
+                      <a:endParaRPr lang="fr-FR" sz="1800" dirty="0"/>
                     </a:p>
                   </a:txBody>
                   <a:tcPr/>
@@ -24493,7 +25095,8 @@
                     <a:bodyPr/>
                     <a:lstStyle/>
                     <a:p>
-                      <a:endParaRPr lang="fr-FR"/>
+                      <a:pPr algn="ctr"/>
+                      <a:endParaRPr lang="fr-FR" sz="1800"/>
                     </a:p>
                   </a:txBody>
                   <a:tcPr/>
@@ -24503,7 +25106,8 @@
                     <a:bodyPr/>
                     <a:lstStyle/>
                     <a:p>
-                      <a:endParaRPr lang="fr-FR"/>
+                      <a:pPr algn="ctr"/>
+                      <a:endParaRPr lang="fr-FR" sz="1800"/>
                     </a:p>
                   </a:txBody>
                   <a:tcPr/>
@@ -24520,7 +25124,7 @@
                     <a:bodyPr/>
                     <a:lstStyle/>
                     <a:p>
-                      <a:pPr marL="0" marR="0" lvl="0" indent="0" algn="l" defTabSz="914400" rtl="0" eaLnBrk="1" fontAlgn="auto" latinLnBrk="0" hangingPunct="1">
+                      <a:pPr marL="0" marR="0" lvl="0" indent="0" algn="ctr" defTabSz="914400" rtl="0" eaLnBrk="1" fontAlgn="auto" latinLnBrk="0" hangingPunct="1">
                         <a:lnSpc>
                           <a:spcPct val="100000"/>
                         </a:lnSpc>
@@ -24540,11 +25144,11 @@
                         <a:defRPr/>
                       </a:pPr>
                       <a:r>
-                        <a:rPr lang="fr-FR" sz="1600" dirty="0" err="1"/>
+                        <a:rPr lang="fr-FR" sz="1800" dirty="0" err="1"/>
                         <a:t>Random</a:t>
                       </a:r>
                       <a:r>
-                        <a:rPr lang="fr-FR" sz="1600" dirty="0"/>
+                        <a:rPr lang="fr-FR" sz="1800" dirty="0"/>
                         <a:t> Forest</a:t>
                       </a:r>
                     </a:p>
@@ -24556,7 +25160,8 @@
                     <a:bodyPr/>
                     <a:lstStyle/>
                     <a:p>
-                      <a:endParaRPr lang="fr-FR"/>
+                      <a:pPr algn="ctr"/>
+                      <a:endParaRPr lang="fr-FR" sz="1800"/>
                     </a:p>
                   </a:txBody>
                   <a:tcPr/>
@@ -24566,7 +25171,8 @@
                     <a:bodyPr/>
                     <a:lstStyle/>
                     <a:p>
-                      <a:endParaRPr lang="fr-FR" dirty="0"/>
+                      <a:pPr algn="ctr"/>
+                      <a:endParaRPr lang="fr-FR" sz="1800" dirty="0"/>
                     </a:p>
                   </a:txBody>
                   <a:tcPr/>
@@ -24576,7 +25182,7 @@
                     <a:bodyPr/>
                     <a:lstStyle/>
                     <a:p>
-                      <a:pPr marL="0" marR="0" lvl="0" indent="0" algn="l" defTabSz="914400" rtl="0" eaLnBrk="1" fontAlgn="auto" latinLnBrk="0" hangingPunct="1">
+                      <a:pPr marL="0" marR="0" lvl="0" indent="0" algn="ctr" defTabSz="914400" rtl="0" eaLnBrk="1" fontAlgn="auto" latinLnBrk="0" hangingPunct="1">
                         <a:lnSpc>
                           <a:spcPct val="100000"/>
                         </a:lnSpc>
@@ -24595,7 +25201,7 @@
                         <a:tabLst/>
                         <a:defRPr/>
                       </a:pPr>
-                      <a:endParaRPr lang="fr-FR" dirty="0"/>
+                      <a:endParaRPr lang="fr-FR" sz="1800" dirty="0"/>
                     </a:p>
                   </a:txBody>
                   <a:tcPr/>
@@ -24605,7 +25211,7 @@
                     <a:bodyPr/>
                     <a:lstStyle/>
                     <a:p>
-                      <a:pPr marL="0" marR="0" lvl="0" indent="0" algn="l" defTabSz="914400" rtl="0" eaLnBrk="1" fontAlgn="auto" latinLnBrk="0" hangingPunct="1">
+                      <a:pPr marL="0" marR="0" lvl="0" indent="0" algn="ctr" defTabSz="914400" rtl="0" eaLnBrk="1" fontAlgn="auto" latinLnBrk="0" hangingPunct="1">
                         <a:lnSpc>
                           <a:spcPct val="100000"/>
                         </a:lnSpc>
@@ -24624,7 +25230,7 @@
                         <a:tabLst/>
                         <a:defRPr/>
                       </a:pPr>
-                      <a:endParaRPr lang="fr-FR" dirty="0"/>
+                      <a:endParaRPr lang="fr-FR" sz="1800" dirty="0"/>
                     </a:p>
                   </a:txBody>
                   <a:tcPr/>
@@ -24641,7 +25247,7 @@
                     <a:bodyPr/>
                     <a:lstStyle/>
                     <a:p>
-                      <a:pPr marL="0" marR="0" lvl="0" indent="0" algn="l" defTabSz="914400" rtl="0" eaLnBrk="1" fontAlgn="auto" latinLnBrk="0" hangingPunct="1">
+                      <a:pPr marL="0" marR="0" lvl="0" indent="0" algn="ctr" defTabSz="914400" rtl="0" eaLnBrk="1" fontAlgn="auto" latinLnBrk="0" hangingPunct="1">
                         <a:lnSpc>
                           <a:spcPct val="100000"/>
                         </a:lnSpc>
@@ -24661,17 +25267,18 @@
                         <a:defRPr/>
                       </a:pPr>
                       <a:r>
-                        <a:rPr lang="fr-FR" sz="1600" dirty="0"/>
+                        <a:rPr lang="fr-FR" sz="1800" dirty="0"/>
                         <a:t>Gradient </a:t>
                       </a:r>
                       <a:r>
-                        <a:rPr lang="fr-FR" sz="1600" dirty="0" err="1"/>
+                        <a:rPr lang="fr-FR" sz="1800" dirty="0" err="1"/>
                         <a:t>Boosting</a:t>
                       </a:r>
-                      <a:endParaRPr lang="fr-FR" sz="1600" dirty="0"/>
+                      <a:endParaRPr lang="fr-FR" sz="1800" dirty="0"/>
                     </a:p>
                     <a:p>
-                      <a:endParaRPr lang="fr-FR" dirty="0"/>
+                      <a:pPr algn="ctr"/>
+                      <a:endParaRPr lang="fr-FR" sz="1800" dirty="0"/>
                     </a:p>
                   </a:txBody>
                   <a:tcPr/>
@@ -24681,7 +25288,8 @@
                     <a:bodyPr/>
                     <a:lstStyle/>
                     <a:p>
-                      <a:endParaRPr lang="fr-FR" dirty="0"/>
+                      <a:pPr algn="ctr"/>
+                      <a:endParaRPr lang="fr-FR" sz="1800" dirty="0"/>
                     </a:p>
                   </a:txBody>
                   <a:tcPr/>
@@ -24691,7 +25299,8 @@
                     <a:bodyPr/>
                     <a:lstStyle/>
                     <a:p>
-                      <a:endParaRPr lang="fr-FR"/>
+                      <a:pPr algn="ctr"/>
+                      <a:endParaRPr lang="fr-FR" sz="1800"/>
                     </a:p>
                   </a:txBody>
                   <a:tcPr/>
@@ -24701,7 +25310,8 @@
                     <a:bodyPr/>
                     <a:lstStyle/>
                     <a:p>
-                      <a:endParaRPr lang="fr-FR" dirty="0"/>
+                      <a:pPr algn="ctr"/>
+                      <a:endParaRPr lang="fr-FR" sz="1800" dirty="0"/>
                     </a:p>
                   </a:txBody>
                   <a:tcPr/>
@@ -24711,7 +25321,8 @@
                     <a:bodyPr/>
                     <a:lstStyle/>
                     <a:p>
-                      <a:endParaRPr lang="fr-FR" dirty="0"/>
+                      <a:pPr algn="ctr"/>
+                      <a:endParaRPr lang="fr-FR" sz="1800" dirty="0"/>
                     </a:p>
                   </a:txBody>
                   <a:tcPr/>
@@ -24754,152 +25365,8 @@
         </p:blipFill>
         <p:spPr>
           <a:xfrm>
-            <a:off x="3256508" y="1066800"/>
-            <a:ext cx="655092" cy="582540"/>
-          </a:xfrm>
-          <a:prstGeom prst="rect">
-            <a:avLst/>
-          </a:prstGeom>
-        </p:spPr>
-      </p:pic>
-      <p:pic>
-        <p:nvPicPr>
-          <p:cNvPr id="13" name="Graphique 12" descr="Coche avec un remplissage uni">
-            <a:extLst>
-              <a:ext uri="{FF2B5EF4-FFF2-40B4-BE49-F238E27FC236}">
-                <a16:creationId xmlns:a16="http://schemas.microsoft.com/office/drawing/2014/main" id="{CEF35625-1017-4468-980B-5F48195E1A2F}"/>
-              </a:ext>
-            </a:extLst>
-          </p:cNvPr>
-          <p:cNvPicPr>
-            <a:picLocks noChangeAspect="1"/>
-          </p:cNvPicPr>
-          <p:nvPr/>
-        </p:nvPicPr>
-        <p:blipFill>
-          <a:blip r:embed="rId2">
-            <a:extLst>
-              <a:ext uri="{96DAC541-7B7A-43D3-8B79-37D633B846F1}">
-                <asvg:svgBlip xmlns:asvg="http://schemas.microsoft.com/office/drawing/2016/SVG/main" r:embed="rId3"/>
-              </a:ext>
-            </a:extLst>
-          </a:blip>
-          <a:stretch>
-            <a:fillRect/>
-          </a:stretch>
-        </p:blipFill>
-        <p:spPr>
-          <a:xfrm>
-            <a:off x="5915042" y="2108201"/>
-            <a:ext cx="655092" cy="582540"/>
-          </a:xfrm>
-          <a:prstGeom prst="rect">
-            <a:avLst/>
-          </a:prstGeom>
-        </p:spPr>
-      </p:pic>
-      <p:pic>
-        <p:nvPicPr>
-          <p:cNvPr id="14" name="Graphique 13" descr="Coche avec un remplissage uni">
-            <a:extLst>
-              <a:ext uri="{FF2B5EF4-FFF2-40B4-BE49-F238E27FC236}">
-                <a16:creationId xmlns:a16="http://schemas.microsoft.com/office/drawing/2014/main" id="{784E2405-02CE-4FF2-8C12-84F6DA550A97}"/>
-              </a:ext>
-            </a:extLst>
-          </p:cNvPr>
-          <p:cNvPicPr>
-            <a:picLocks noChangeAspect="1"/>
-          </p:cNvPicPr>
-          <p:nvPr/>
-        </p:nvPicPr>
-        <p:blipFill>
-          <a:blip r:embed="rId2">
-            <a:extLst>
-              <a:ext uri="{96DAC541-7B7A-43D3-8B79-37D633B846F1}">
-                <asvg:svgBlip xmlns:asvg="http://schemas.microsoft.com/office/drawing/2016/SVG/main" r:embed="rId3"/>
-              </a:ext>
-            </a:extLst>
-          </a:blip>
-          <a:stretch>
-            <a:fillRect/>
-          </a:stretch>
-        </p:blipFill>
-        <p:spPr>
-          <a:xfrm>
-            <a:off x="3228959" y="2639941"/>
-            <a:ext cx="655092" cy="582540"/>
-          </a:xfrm>
-          <a:prstGeom prst="rect">
-            <a:avLst/>
-          </a:prstGeom>
-        </p:spPr>
-      </p:pic>
-      <p:pic>
-        <p:nvPicPr>
-          <p:cNvPr id="15" name="Graphique 14" descr="Coche avec un remplissage uni">
-            <a:extLst>
-              <a:ext uri="{FF2B5EF4-FFF2-40B4-BE49-F238E27FC236}">
-                <a16:creationId xmlns:a16="http://schemas.microsoft.com/office/drawing/2014/main" id="{946AE400-6B8A-404A-A98A-45086787C678}"/>
-              </a:ext>
-            </a:extLst>
-          </p:cNvPr>
-          <p:cNvPicPr>
-            <a:picLocks noChangeAspect="1"/>
-          </p:cNvPicPr>
-          <p:nvPr/>
-        </p:nvPicPr>
-        <p:blipFill>
-          <a:blip r:embed="rId2">
-            <a:extLst>
-              <a:ext uri="{96DAC541-7B7A-43D3-8B79-37D633B846F1}">
-                <asvg:svgBlip xmlns:asvg="http://schemas.microsoft.com/office/drawing/2016/SVG/main" r:embed="rId3"/>
-              </a:ext>
-            </a:extLst>
-          </a:blip>
-          <a:stretch>
-            <a:fillRect/>
-          </a:stretch>
-        </p:blipFill>
-        <p:spPr>
-          <a:xfrm>
-            <a:off x="4577310" y="1066800"/>
-            <a:ext cx="655092" cy="582540"/>
-          </a:xfrm>
-          <a:prstGeom prst="rect">
-            <a:avLst/>
-          </a:prstGeom>
-        </p:spPr>
-      </p:pic>
-      <p:pic>
-        <p:nvPicPr>
-          <p:cNvPr id="16" name="Graphique 15" descr="Coche avec un remplissage uni">
-            <a:extLst>
-              <a:ext uri="{FF2B5EF4-FFF2-40B4-BE49-F238E27FC236}">
-                <a16:creationId xmlns:a16="http://schemas.microsoft.com/office/drawing/2014/main" id="{C33C6BBA-C357-4E19-88C5-8E475CEA09A9}"/>
-              </a:ext>
-            </a:extLst>
-          </p:cNvPr>
-          <p:cNvPicPr>
-            <a:picLocks noChangeAspect="1"/>
-          </p:cNvPicPr>
-          <p:nvPr/>
-        </p:nvPicPr>
-        <p:blipFill>
-          <a:blip r:embed="rId2">
-            <a:extLst>
-              <a:ext uri="{96DAC541-7B7A-43D3-8B79-37D633B846F1}">
-                <asvg:svgBlip xmlns:asvg="http://schemas.microsoft.com/office/drawing/2016/SVG/main" r:embed="rId3"/>
-              </a:ext>
-            </a:extLst>
-          </a:blip>
-          <a:stretch>
-            <a:fillRect/>
-          </a:stretch>
-        </p:blipFill>
-        <p:spPr>
-          <a:xfrm>
-            <a:off x="7227375" y="1066800"/>
-            <a:ext cx="655092" cy="582540"/>
+            <a:off x="3327251" y="1232430"/>
+            <a:ext cx="441732" cy="392810"/>
           </a:xfrm>
           <a:prstGeom prst="rect">
             <a:avLst/>
@@ -24996,6 +25463,150 @@
           </a:p>
         </p:txBody>
       </p:sp>
+      <p:pic>
+        <p:nvPicPr>
+          <p:cNvPr id="11" name="Graphique 10" descr="Coche avec un remplissage uni">
+            <a:extLst>
+              <a:ext uri="{FF2B5EF4-FFF2-40B4-BE49-F238E27FC236}">
+                <a16:creationId xmlns:a16="http://schemas.microsoft.com/office/drawing/2014/main" id="{94EC508C-7046-C040-B25B-476182DF0163}"/>
+              </a:ext>
+            </a:extLst>
+          </p:cNvPr>
+          <p:cNvPicPr>
+            <a:picLocks noChangeAspect="1"/>
+          </p:cNvPicPr>
+          <p:nvPr/>
+        </p:nvPicPr>
+        <p:blipFill>
+          <a:blip r:embed="rId2">
+            <a:extLst>
+              <a:ext uri="{96DAC541-7B7A-43D3-8B79-37D633B846F1}">
+                <asvg:svgBlip xmlns:asvg="http://schemas.microsoft.com/office/drawing/2016/SVG/main" r:embed="rId3"/>
+              </a:ext>
+            </a:extLst>
+          </a:blip>
+          <a:stretch>
+            <a:fillRect/>
+          </a:stretch>
+        </p:blipFill>
+        <p:spPr>
+          <a:xfrm>
+            <a:off x="4841159" y="1232430"/>
+            <a:ext cx="441732" cy="392810"/>
+          </a:xfrm>
+          <a:prstGeom prst="rect">
+            <a:avLst/>
+          </a:prstGeom>
+        </p:spPr>
+      </p:pic>
+      <p:pic>
+        <p:nvPicPr>
+          <p:cNvPr id="18" name="Graphique 17" descr="Coche avec un remplissage uni">
+            <a:extLst>
+              <a:ext uri="{FF2B5EF4-FFF2-40B4-BE49-F238E27FC236}">
+                <a16:creationId xmlns:a16="http://schemas.microsoft.com/office/drawing/2014/main" id="{936BC5E9-24E0-F345-8130-4545B20BC4FE}"/>
+              </a:ext>
+            </a:extLst>
+          </p:cNvPr>
+          <p:cNvPicPr>
+            <a:picLocks noChangeAspect="1"/>
+          </p:cNvPicPr>
+          <p:nvPr/>
+        </p:nvPicPr>
+        <p:blipFill>
+          <a:blip r:embed="rId2">
+            <a:extLst>
+              <a:ext uri="{96DAC541-7B7A-43D3-8B79-37D633B846F1}">
+                <asvg:svgBlip xmlns:asvg="http://schemas.microsoft.com/office/drawing/2016/SVG/main" r:embed="rId3"/>
+              </a:ext>
+            </a:extLst>
+          </a:blip>
+          <a:stretch>
+            <a:fillRect/>
+          </a:stretch>
+        </p:blipFill>
+        <p:spPr>
+          <a:xfrm>
+            <a:off x="7325120" y="1232430"/>
+            <a:ext cx="441732" cy="392810"/>
+          </a:xfrm>
+          <a:prstGeom prst="rect">
+            <a:avLst/>
+          </a:prstGeom>
+        </p:spPr>
+      </p:pic>
+      <p:pic>
+        <p:nvPicPr>
+          <p:cNvPr id="19" name="Graphique 18" descr="Coche avec un remplissage uni">
+            <a:extLst>
+              <a:ext uri="{FF2B5EF4-FFF2-40B4-BE49-F238E27FC236}">
+                <a16:creationId xmlns:a16="http://schemas.microsoft.com/office/drawing/2014/main" id="{761D9D15-2D50-4047-8765-9A4B06A3D91C}"/>
+              </a:ext>
+            </a:extLst>
+          </p:cNvPr>
+          <p:cNvPicPr>
+            <a:picLocks noChangeAspect="1"/>
+          </p:cNvPicPr>
+          <p:nvPr/>
+        </p:nvPicPr>
+        <p:blipFill>
+          <a:blip r:embed="rId2">
+            <a:extLst>
+              <a:ext uri="{96DAC541-7B7A-43D3-8B79-37D633B846F1}">
+                <asvg:svgBlip xmlns:asvg="http://schemas.microsoft.com/office/drawing/2016/SVG/main" r:embed="rId3"/>
+              </a:ext>
+            </a:extLst>
+          </a:blip>
+          <a:stretch>
+            <a:fillRect/>
+          </a:stretch>
+        </p:blipFill>
+        <p:spPr>
+          <a:xfrm>
+            <a:off x="6043614" y="2375345"/>
+            <a:ext cx="441732" cy="392810"/>
+          </a:xfrm>
+          <a:prstGeom prst="rect">
+            <a:avLst/>
+          </a:prstGeom>
+        </p:spPr>
+      </p:pic>
+      <p:pic>
+        <p:nvPicPr>
+          <p:cNvPr id="20" name="Graphique 19" descr="Coche avec un remplissage uni">
+            <a:extLst>
+              <a:ext uri="{FF2B5EF4-FFF2-40B4-BE49-F238E27FC236}">
+                <a16:creationId xmlns:a16="http://schemas.microsoft.com/office/drawing/2014/main" id="{A3C4EC7D-BA50-AF41-9263-76DBCAA44841}"/>
+              </a:ext>
+            </a:extLst>
+          </p:cNvPr>
+          <p:cNvPicPr>
+            <a:picLocks noChangeAspect="1"/>
+          </p:cNvPicPr>
+          <p:nvPr/>
+        </p:nvPicPr>
+        <p:blipFill>
+          <a:blip r:embed="rId2">
+            <a:extLst>
+              <a:ext uri="{96DAC541-7B7A-43D3-8B79-37D633B846F1}">
+                <asvg:svgBlip xmlns:asvg="http://schemas.microsoft.com/office/drawing/2016/SVG/main" r:embed="rId3"/>
+              </a:ext>
+            </a:extLst>
+          </a:blip>
+          <a:stretch>
+            <a:fillRect/>
+          </a:stretch>
+        </p:blipFill>
+        <p:spPr>
+          <a:xfrm>
+            <a:off x="3326042" y="2938812"/>
+            <a:ext cx="441732" cy="392810"/>
+          </a:xfrm>
+          <a:prstGeom prst="rect">
+            <a:avLst/>
+          </a:prstGeom>
+        </p:spPr>
+      </p:pic>
     </p:spTree>
     <p:extLst>
       <p:ext uri="{BB962C8B-B14F-4D97-AF65-F5344CB8AC3E}">
